--- a/Diapo présentation projet.pptx
+++ b/Diapo présentation projet.pptx
@@ -7,8 +7,9 @@
   <p:sldIdLst>
     <p:sldId id="256" r:id="rId2"/>
     <p:sldId id="257" r:id="rId3"/>
-    <p:sldId id="258" r:id="rId4"/>
-    <p:sldId id="259" r:id="rId5"/>
+    <p:sldId id="260" r:id="rId4"/>
+    <p:sldId id="258" r:id="rId5"/>
+    <p:sldId id="259" r:id="rId6"/>
   </p:sldIdLst>
   <p:sldSz cx="9144000" cy="6858000" type="screen4x3"/>
   <p:notesSz cx="6858000" cy="9144000"/>
@@ -291,7 +292,7 @@
           <a:p>
             <a:fld id="{17443F24-6673-4B1A-8620-59776DAB236F}" type="datetimeFigureOut">
               <a:rPr lang="fr-FR" smtClean="0"/>
-              <a:t>07/10/2022</a:t>
+              <a:t>11/10/2022</a:t>
             </a:fld>
             <a:endParaRPr lang="fr-FR"/>
           </a:p>
@@ -461,7 +462,7 @@
           <a:p>
             <a:fld id="{17443F24-6673-4B1A-8620-59776DAB236F}" type="datetimeFigureOut">
               <a:rPr lang="fr-FR" smtClean="0"/>
-              <a:t>07/10/2022</a:t>
+              <a:t>11/10/2022</a:t>
             </a:fld>
             <a:endParaRPr lang="fr-FR"/>
           </a:p>
@@ -641,7 +642,7 @@
           <a:p>
             <a:fld id="{17443F24-6673-4B1A-8620-59776DAB236F}" type="datetimeFigureOut">
               <a:rPr lang="fr-FR" smtClean="0"/>
-              <a:t>07/10/2022</a:t>
+              <a:t>11/10/2022</a:t>
             </a:fld>
             <a:endParaRPr lang="fr-FR"/>
           </a:p>
@@ -811,7 +812,7 @@
           <a:p>
             <a:fld id="{17443F24-6673-4B1A-8620-59776DAB236F}" type="datetimeFigureOut">
               <a:rPr lang="fr-FR" smtClean="0"/>
-              <a:t>07/10/2022</a:t>
+              <a:t>11/10/2022</a:t>
             </a:fld>
             <a:endParaRPr lang="fr-FR"/>
           </a:p>
@@ -1057,7 +1058,7 @@
           <a:p>
             <a:fld id="{17443F24-6673-4B1A-8620-59776DAB236F}" type="datetimeFigureOut">
               <a:rPr lang="fr-FR" smtClean="0"/>
-              <a:t>07/10/2022</a:t>
+              <a:t>11/10/2022</a:t>
             </a:fld>
             <a:endParaRPr lang="fr-FR"/>
           </a:p>
@@ -1345,7 +1346,7 @@
           <a:p>
             <a:fld id="{17443F24-6673-4B1A-8620-59776DAB236F}" type="datetimeFigureOut">
               <a:rPr lang="fr-FR" smtClean="0"/>
-              <a:t>07/10/2022</a:t>
+              <a:t>11/10/2022</a:t>
             </a:fld>
             <a:endParaRPr lang="fr-FR"/>
           </a:p>
@@ -1767,7 +1768,7 @@
           <a:p>
             <a:fld id="{17443F24-6673-4B1A-8620-59776DAB236F}" type="datetimeFigureOut">
               <a:rPr lang="fr-FR" smtClean="0"/>
-              <a:t>07/10/2022</a:t>
+              <a:t>11/10/2022</a:t>
             </a:fld>
             <a:endParaRPr lang="fr-FR"/>
           </a:p>
@@ -1885,7 +1886,7 @@
           <a:p>
             <a:fld id="{17443F24-6673-4B1A-8620-59776DAB236F}" type="datetimeFigureOut">
               <a:rPr lang="fr-FR" smtClean="0"/>
-              <a:t>07/10/2022</a:t>
+              <a:t>11/10/2022</a:t>
             </a:fld>
             <a:endParaRPr lang="fr-FR"/>
           </a:p>
@@ -1980,7 +1981,7 @@
           <a:p>
             <a:fld id="{17443F24-6673-4B1A-8620-59776DAB236F}" type="datetimeFigureOut">
               <a:rPr lang="fr-FR" smtClean="0"/>
-              <a:t>07/10/2022</a:t>
+              <a:t>11/10/2022</a:t>
             </a:fld>
             <a:endParaRPr lang="fr-FR"/>
           </a:p>
@@ -2257,7 +2258,7 @@
           <a:p>
             <a:fld id="{17443F24-6673-4B1A-8620-59776DAB236F}" type="datetimeFigureOut">
               <a:rPr lang="fr-FR" smtClean="0"/>
-              <a:t>07/10/2022</a:t>
+              <a:t>11/10/2022</a:t>
             </a:fld>
             <a:endParaRPr lang="fr-FR"/>
           </a:p>
@@ -2510,7 +2511,7 @@
           <a:p>
             <a:fld id="{17443F24-6673-4B1A-8620-59776DAB236F}" type="datetimeFigureOut">
               <a:rPr lang="fr-FR" smtClean="0"/>
-              <a:t>07/10/2022</a:t>
+              <a:t>11/10/2022</a:t>
             </a:fld>
             <a:endParaRPr lang="fr-FR"/>
           </a:p>
@@ -2723,7 +2724,7 @@
           <a:p>
             <a:fld id="{17443F24-6673-4B1A-8620-59776DAB236F}" type="datetimeFigureOut">
               <a:rPr lang="fr-FR" smtClean="0"/>
-              <a:t>07/10/2022</a:t>
+              <a:t>11/10/2022</a:t>
             </a:fld>
             <a:endParaRPr lang="fr-FR"/>
           </a:p>
@@ -3562,71 +3563,71 @@
           </a:bodyPr>
           <a:lstStyle/>
           <a:p>
-            <a:r>
-              <a:rPr lang="fr-FR" sz="2400" smtClean="0"/>
-              <a:t>Idées principales </a:t>
-            </a:r>
+            <a:pPr algn="ctr"/>
             <a:r>
               <a:rPr lang="fr-FR" sz="2400" dirty="0" smtClean="0"/>
-              <a:t>du projet</a:t>
-            </a:r>
-          </a:p>
-          <a:p>
+              <a:t>Présentation des membres de l’équipe</a:t>
+            </a:r>
+          </a:p>
+          <a:p>
+            <a:pPr marL="0" indent="0">
+              <a:buNone/>
+            </a:pPr>
+            <a:endParaRPr lang="fr-FR" sz="2400" dirty="0" smtClean="0"/>
+          </a:p>
+          <a:p>
+            <a:pPr marL="0" indent="0">
+              <a:buNone/>
+            </a:pPr>
+            <a:r>
+              <a:rPr lang="fr-FR" sz="2400" dirty="0" smtClean="0"/>
+              <a:t>Felix DESMOULIN</a:t>
+            </a:r>
+          </a:p>
+          <a:p>
+            <a:pPr marL="0" indent="0">
+              <a:buNone/>
+            </a:pPr>
             <a:endParaRPr lang="fr-FR" sz="2400" dirty="0"/>
           </a:p>
           <a:p>
+            <a:pPr marL="0" indent="0">
+              <a:buNone/>
+            </a:pPr>
             <a:r>
               <a:rPr lang="fr-FR" sz="2400" dirty="0" smtClean="0"/>
-              <a:t>Création d’un jeu d’échecs complet</a:t>
-            </a:r>
-            <a:r>
-              <a:rPr lang="fr-FR" sz="2400" dirty="0"/>
-              <a:t> </a:t>
-            </a:r>
+              <a:t>François-Marie MASSON</a:t>
+            </a:r>
+          </a:p>
+          <a:p>
+            <a:pPr marL="0" indent="0">
+              <a:buNone/>
+            </a:pPr>
+            <a:endParaRPr lang="fr-FR" sz="2400" dirty="0"/>
+          </a:p>
+          <a:p>
+            <a:pPr marL="0" indent="0">
+              <a:buNone/>
+            </a:pPr>
             <a:r>
               <a:rPr lang="fr-FR" sz="2400" dirty="0" smtClean="0"/>
-              <a:t>jouable :</a:t>
-            </a:r>
-          </a:p>
-          <a:p>
+              <a:t>François PHILIPPE</a:t>
+            </a:r>
+          </a:p>
+          <a:p>
+            <a:pPr marL="0" indent="0">
+              <a:buNone/>
+            </a:pPr>
+            <a:endParaRPr lang="fr-FR" sz="2400" dirty="0"/>
+          </a:p>
+          <a:p>
+            <a:pPr marL="0" indent="0">
+              <a:buNone/>
+            </a:pPr>
             <a:r>
               <a:rPr lang="fr-FR" sz="2400" dirty="0" smtClean="0"/>
-              <a:t>- à 2 joueurs</a:t>
-            </a:r>
-          </a:p>
-          <a:p>
-            <a:r>
-              <a:rPr lang="fr-FR" sz="2400" dirty="0" smtClean="0"/>
-              <a:t>-contre une IA</a:t>
-            </a:r>
-          </a:p>
-          <a:p>
-            <a:r>
-              <a:rPr lang="fr-FR" sz="2400" dirty="0" smtClean="0"/>
-              <a:t>- résolution de problèmes</a:t>
-            </a:r>
-          </a:p>
-          <a:p>
-            <a:endParaRPr lang="fr-FR" sz="2400" dirty="0"/>
-          </a:p>
-          <a:p>
-            <a:r>
-              <a:rPr lang="fr-FR" sz="2400" dirty="0" smtClean="0"/>
-              <a:t>Inclusion de statistiques de jeu</a:t>
-            </a:r>
-          </a:p>
-          <a:p>
-            <a:r>
-              <a:rPr lang="fr-FR" sz="2400" dirty="0" smtClean="0"/>
-              <a:t>Inclusion d’un chat</a:t>
-            </a:r>
-          </a:p>
-          <a:p>
-            <a:r>
-              <a:rPr lang="fr-FR" sz="2400" dirty="0" smtClean="0"/>
-              <a:t>Possibilité de créer et/ou modifier des problèmes</a:t>
-            </a:r>
-            <a:endParaRPr lang="fr-FR" sz="2400" dirty="0" smtClean="0"/>
+              <a:t>Nicolas PERRET</a:t>
+            </a:r>
           </a:p>
         </p:txBody>
       </p:sp>
@@ -3644,6 +3645,143 @@
 </file>
 
 <file path=ppt/slides/slide3.xml><?xml version="1.0" encoding="utf-8"?>
+<p:sld xmlns:a="http://schemas.openxmlformats.org/drawingml/2006/main" xmlns:r="http://schemas.openxmlformats.org/officeDocument/2006/relationships" xmlns:p="http://schemas.openxmlformats.org/presentationml/2006/main">
+  <p:cSld>
+    <p:spTree>
+      <p:nvGrpSpPr>
+        <p:cNvPr id="1" name=""/>
+        <p:cNvGrpSpPr/>
+        <p:nvPr/>
+      </p:nvGrpSpPr>
+      <p:grpSpPr>
+        <a:xfrm>
+          <a:off x="0" y="0"/>
+          <a:ext cx="0" cy="0"/>
+          <a:chOff x="0" y="0"/>
+          <a:chExt cx="0" cy="0"/>
+        </a:xfrm>
+      </p:grpSpPr>
+      <p:sp>
+        <p:nvSpPr>
+          <p:cNvPr id="2" name="Titre 1"/>
+          <p:cNvSpPr>
+            <a:spLocks noGrp="1"/>
+          </p:cNvSpPr>
+          <p:nvPr>
+            <p:ph type="title"/>
+          </p:nvPr>
+        </p:nvSpPr>
+        <p:spPr/>
+        <p:txBody>
+          <a:bodyPr/>
+          <a:lstStyle/>
+          <a:p>
+            <a:r>
+              <a:rPr lang="fr-FR" dirty="0" smtClean="0"/>
+              <a:t>Introduction</a:t>
+            </a:r>
+            <a:endParaRPr lang="fr-FR" dirty="0"/>
+          </a:p>
+        </p:txBody>
+      </p:sp>
+      <p:sp>
+        <p:nvSpPr>
+          <p:cNvPr id="3" name="Espace réservé du contenu 2"/>
+          <p:cNvSpPr>
+            <a:spLocks noGrp="1"/>
+          </p:cNvSpPr>
+          <p:nvPr>
+            <p:ph idx="1"/>
+          </p:nvPr>
+        </p:nvSpPr>
+        <p:spPr/>
+        <p:txBody>
+          <a:bodyPr>
+            <a:normAutofit/>
+          </a:bodyPr>
+          <a:lstStyle/>
+          <a:p>
+            <a:r>
+              <a:rPr lang="fr-FR" sz="2400" smtClean="0"/>
+              <a:t>Idées principales </a:t>
+            </a:r>
+            <a:r>
+              <a:rPr lang="fr-FR" sz="2400" dirty="0" smtClean="0"/>
+              <a:t>du projet</a:t>
+            </a:r>
+          </a:p>
+          <a:p>
+            <a:endParaRPr lang="fr-FR" sz="2400" dirty="0"/>
+          </a:p>
+          <a:p>
+            <a:r>
+              <a:rPr lang="fr-FR" sz="2400" dirty="0" smtClean="0"/>
+              <a:t>Création d’un jeu d’échecs complet</a:t>
+            </a:r>
+            <a:r>
+              <a:rPr lang="fr-FR" sz="2400" dirty="0"/>
+              <a:t> </a:t>
+            </a:r>
+            <a:r>
+              <a:rPr lang="fr-FR" sz="2400" dirty="0" smtClean="0"/>
+              <a:t>jouable :</a:t>
+            </a:r>
+          </a:p>
+          <a:p>
+            <a:r>
+              <a:rPr lang="fr-FR" sz="2400" dirty="0" smtClean="0"/>
+              <a:t>- à 2 joueurs</a:t>
+            </a:r>
+          </a:p>
+          <a:p>
+            <a:r>
+              <a:rPr lang="fr-FR" sz="2400" dirty="0" smtClean="0"/>
+              <a:t>-contre une IA</a:t>
+            </a:r>
+          </a:p>
+          <a:p>
+            <a:r>
+              <a:rPr lang="fr-FR" sz="2400" dirty="0" smtClean="0"/>
+              <a:t>- résolution de problèmes</a:t>
+            </a:r>
+          </a:p>
+          <a:p>
+            <a:endParaRPr lang="fr-FR" sz="2400" dirty="0"/>
+          </a:p>
+          <a:p>
+            <a:r>
+              <a:rPr lang="fr-FR" sz="2400" dirty="0" smtClean="0"/>
+              <a:t>Inclusion de statistiques de jeu</a:t>
+            </a:r>
+          </a:p>
+          <a:p>
+            <a:r>
+              <a:rPr lang="fr-FR" sz="2400" dirty="0" smtClean="0"/>
+              <a:t>Inclusion d’un chat</a:t>
+            </a:r>
+          </a:p>
+          <a:p>
+            <a:r>
+              <a:rPr lang="fr-FR" sz="2400" dirty="0" smtClean="0"/>
+              <a:t>Possibilité de créer et/ou modifier des problèmes</a:t>
+            </a:r>
+          </a:p>
+        </p:txBody>
+      </p:sp>
+    </p:spTree>
+    <p:extLst>
+      <p:ext uri="{BB962C8B-B14F-4D97-AF65-F5344CB8AC3E}">
+        <p14:creationId xmlns:p14="http://schemas.microsoft.com/office/powerpoint/2010/main" val="1644731448"/>
+      </p:ext>
+    </p:extLst>
+  </p:cSld>
+  <p:clrMapOvr>
+    <a:masterClrMapping/>
+  </p:clrMapOvr>
+</p:sld>
+</file>
+
+<file path=ppt/slides/slide4.xml><?xml version="1.0" encoding="utf-8"?>
 <p:sld xmlns:a="http://schemas.openxmlformats.org/drawingml/2006/main" xmlns:r="http://schemas.openxmlformats.org/officeDocument/2006/relationships" xmlns:p="http://schemas.openxmlformats.org/presentationml/2006/main">
   <p:cSld>
     <p:spTree>
@@ -4678,7 +4816,7 @@
 </p:sld>
 </file>
 
-<file path=ppt/slides/slide4.xml><?xml version="1.0" encoding="utf-8"?>
+<file path=ppt/slides/slide5.xml><?xml version="1.0" encoding="utf-8"?>
 <p:sld xmlns:a="http://schemas.openxmlformats.org/drawingml/2006/main" xmlns:r="http://schemas.openxmlformats.org/officeDocument/2006/relationships" xmlns:p="http://schemas.openxmlformats.org/presentationml/2006/main">
   <p:cSld>
     <p:spTree>

--- a/Diapo présentation projet.pptx
+++ b/Diapo présentation projet.pptx
@@ -10,6 +10,7 @@
     <p:sldId id="260" r:id="rId4"/>
     <p:sldId id="258" r:id="rId5"/>
     <p:sldId id="259" r:id="rId6"/>
+    <p:sldId id="261" r:id="rId7"/>
   </p:sldIdLst>
   <p:sldSz cx="9144000" cy="6858000" type="screen4x3"/>
   <p:notesSz cx="6858000" cy="9144000"/>
@@ -292,7 +293,7 @@
           <a:p>
             <a:fld id="{17443F24-6673-4B1A-8620-59776DAB236F}" type="datetimeFigureOut">
               <a:rPr lang="fr-FR" smtClean="0"/>
-              <a:t>11/10/2022</a:t>
+              <a:t>13/10/2022</a:t>
             </a:fld>
             <a:endParaRPr lang="fr-FR"/>
           </a:p>
@@ -462,7 +463,7 @@
           <a:p>
             <a:fld id="{17443F24-6673-4B1A-8620-59776DAB236F}" type="datetimeFigureOut">
               <a:rPr lang="fr-FR" smtClean="0"/>
-              <a:t>11/10/2022</a:t>
+              <a:t>13/10/2022</a:t>
             </a:fld>
             <a:endParaRPr lang="fr-FR"/>
           </a:p>
@@ -642,7 +643,7 @@
           <a:p>
             <a:fld id="{17443F24-6673-4B1A-8620-59776DAB236F}" type="datetimeFigureOut">
               <a:rPr lang="fr-FR" smtClean="0"/>
-              <a:t>11/10/2022</a:t>
+              <a:t>13/10/2022</a:t>
             </a:fld>
             <a:endParaRPr lang="fr-FR"/>
           </a:p>
@@ -812,7 +813,7 @@
           <a:p>
             <a:fld id="{17443F24-6673-4B1A-8620-59776DAB236F}" type="datetimeFigureOut">
               <a:rPr lang="fr-FR" smtClean="0"/>
-              <a:t>11/10/2022</a:t>
+              <a:t>13/10/2022</a:t>
             </a:fld>
             <a:endParaRPr lang="fr-FR"/>
           </a:p>
@@ -1058,7 +1059,7 @@
           <a:p>
             <a:fld id="{17443F24-6673-4B1A-8620-59776DAB236F}" type="datetimeFigureOut">
               <a:rPr lang="fr-FR" smtClean="0"/>
-              <a:t>11/10/2022</a:t>
+              <a:t>13/10/2022</a:t>
             </a:fld>
             <a:endParaRPr lang="fr-FR"/>
           </a:p>
@@ -1346,7 +1347,7 @@
           <a:p>
             <a:fld id="{17443F24-6673-4B1A-8620-59776DAB236F}" type="datetimeFigureOut">
               <a:rPr lang="fr-FR" smtClean="0"/>
-              <a:t>11/10/2022</a:t>
+              <a:t>13/10/2022</a:t>
             </a:fld>
             <a:endParaRPr lang="fr-FR"/>
           </a:p>
@@ -1768,7 +1769,7 @@
           <a:p>
             <a:fld id="{17443F24-6673-4B1A-8620-59776DAB236F}" type="datetimeFigureOut">
               <a:rPr lang="fr-FR" smtClean="0"/>
-              <a:t>11/10/2022</a:t>
+              <a:t>13/10/2022</a:t>
             </a:fld>
             <a:endParaRPr lang="fr-FR"/>
           </a:p>
@@ -1886,7 +1887,7 @@
           <a:p>
             <a:fld id="{17443F24-6673-4B1A-8620-59776DAB236F}" type="datetimeFigureOut">
               <a:rPr lang="fr-FR" smtClean="0"/>
-              <a:t>11/10/2022</a:t>
+              <a:t>13/10/2022</a:t>
             </a:fld>
             <a:endParaRPr lang="fr-FR"/>
           </a:p>
@@ -1981,7 +1982,7 @@
           <a:p>
             <a:fld id="{17443F24-6673-4B1A-8620-59776DAB236F}" type="datetimeFigureOut">
               <a:rPr lang="fr-FR" smtClean="0"/>
-              <a:t>11/10/2022</a:t>
+              <a:t>13/10/2022</a:t>
             </a:fld>
             <a:endParaRPr lang="fr-FR"/>
           </a:p>
@@ -2258,7 +2259,7 @@
           <a:p>
             <a:fld id="{17443F24-6673-4B1A-8620-59776DAB236F}" type="datetimeFigureOut">
               <a:rPr lang="fr-FR" smtClean="0"/>
-              <a:t>11/10/2022</a:t>
+              <a:t>13/10/2022</a:t>
             </a:fld>
             <a:endParaRPr lang="fr-FR"/>
           </a:p>
@@ -2511,7 +2512,7 @@
           <a:p>
             <a:fld id="{17443F24-6673-4B1A-8620-59776DAB236F}" type="datetimeFigureOut">
               <a:rPr lang="fr-FR" smtClean="0"/>
-              <a:t>11/10/2022</a:t>
+              <a:t>13/10/2022</a:t>
             </a:fld>
             <a:endParaRPr lang="fr-FR"/>
           </a:p>
@@ -2724,7 +2725,7 @@
           <a:p>
             <a:fld id="{17443F24-6673-4B1A-8620-59776DAB236F}" type="datetimeFigureOut">
               <a:rPr lang="fr-FR" smtClean="0"/>
-              <a:t>11/10/2022</a:t>
+              <a:t>13/10/2022</a:t>
             </a:fld>
             <a:endParaRPr lang="fr-FR"/>
           </a:p>
@@ -5362,6 +5363,59 @@
 </p:sld>
 </file>
 
+<file path=ppt/slides/slide6.xml><?xml version="1.0" encoding="utf-8"?>
+<p:sld xmlns:a="http://schemas.openxmlformats.org/drawingml/2006/main" xmlns:r="http://schemas.openxmlformats.org/officeDocument/2006/relationships" xmlns:p="http://schemas.openxmlformats.org/presentationml/2006/main">
+  <p:cSld>
+    <p:spTree>
+      <p:nvGrpSpPr>
+        <p:cNvPr id="1" name=""/>
+        <p:cNvGrpSpPr/>
+        <p:nvPr/>
+      </p:nvGrpSpPr>
+      <p:grpSpPr>
+        <a:xfrm>
+          <a:off x="0" y="0"/>
+          <a:ext cx="0" cy="0"/>
+          <a:chOff x="0" y="0"/>
+          <a:chExt cx="0" cy="0"/>
+        </a:xfrm>
+      </p:grpSpPr>
+      <p:sp>
+        <p:nvSpPr>
+          <p:cNvPr id="2" name="Titre 1"/>
+          <p:cNvSpPr>
+            <a:spLocks noGrp="1"/>
+          </p:cNvSpPr>
+          <p:nvPr>
+            <p:ph type="title"/>
+          </p:nvPr>
+        </p:nvSpPr>
+        <p:spPr/>
+        <p:txBody>
+          <a:bodyPr/>
+          <a:lstStyle/>
+          <a:p>
+            <a:r>
+              <a:rPr lang="fr-FR" dirty="0" smtClean="0"/>
+              <a:t>Démo d’utilisation</a:t>
+            </a:r>
+            <a:endParaRPr lang="fr-FR" dirty="0"/>
+          </a:p>
+        </p:txBody>
+      </p:sp>
+    </p:spTree>
+    <p:extLst>
+      <p:ext uri="{BB962C8B-B14F-4D97-AF65-F5344CB8AC3E}">
+        <p14:creationId xmlns:p14="http://schemas.microsoft.com/office/powerpoint/2010/main" val="3824065133"/>
+      </p:ext>
+    </p:extLst>
+  </p:cSld>
+  <p:clrMapOvr>
+    <a:masterClrMapping/>
+  </p:clrMapOvr>
+</p:sld>
+</file>
+
 <file path=ppt/theme/theme1.xml><?xml version="1.0" encoding="utf-8"?>
 <a:theme xmlns:a="http://schemas.openxmlformats.org/drawingml/2006/main" name="Thème Office">
   <a:themeElements>

--- a/Diapo présentation projet.pptx
+++ b/Diapo présentation projet.pptx
@@ -11,6 +11,7 @@
     <p:sldId id="258" r:id="rId5"/>
     <p:sldId id="259" r:id="rId6"/>
     <p:sldId id="261" r:id="rId7"/>
+    <p:sldId id="262" r:id="rId8"/>
   </p:sldIdLst>
   <p:sldSz cx="9144000" cy="6858000" type="screen4x3"/>
   <p:notesSz cx="6858000" cy="9144000"/>
@@ -4872,14 +4873,14 @@
             <p:ph idx="1"/>
             <p:extLst>
               <p:ext uri="{D42A27DB-BD31-4B8C-83A1-F6EECF244321}">
-                <p14:modId xmlns:p14="http://schemas.microsoft.com/office/powerpoint/2010/main" val="1131973196"/>
+                <p14:modId xmlns:p14="http://schemas.microsoft.com/office/powerpoint/2010/main" val="2510594681"/>
               </p:ext>
             </p:extLst>
           </p:nvPr>
         </p:nvGraphicFramePr>
         <p:xfrm>
-          <a:off x="1856027" y="1136050"/>
-          <a:ext cx="6286154" cy="5112916"/>
+          <a:off x="1979712" y="755209"/>
+          <a:ext cx="6286154" cy="5995181"/>
         </p:xfrm>
         <a:graphic>
           <a:graphicData uri="http://schemas.openxmlformats.org/drawingml/2006/table">
@@ -4897,6 +4898,7 @@
                     <a:bodyPr/>
                     <a:lstStyle/>
                     <a:p>
+                      <a:pPr algn="ctr"/>
                       <a:r>
                         <a:rPr lang="fr-FR" dirty="0" smtClean="0"/>
                         <a:t>Nom</a:t>
@@ -4911,6 +4913,7 @@
                     <a:bodyPr/>
                     <a:lstStyle/>
                     <a:p>
+                      <a:pPr algn="ctr"/>
                       <a:r>
                         <a:rPr lang="fr-FR" dirty="0" smtClean="0"/>
                         <a:t>Utilisation</a:t>
@@ -4945,7 +4948,11 @@
                       <a:pPr algn="ctr"/>
                       <a:r>
                         <a:rPr lang="fr-FR" dirty="0" smtClean="0"/>
-                        <a:t>Développement back-end</a:t>
+                        <a:t>Développement </a:t>
+                      </a:r>
+                      <a:r>
+                        <a:rPr lang="fr-FR" dirty="0" smtClean="0"/>
+                        <a:t>Back-End</a:t>
                       </a:r>
                       <a:endParaRPr lang="fr-FR" dirty="0"/>
                     </a:p>
@@ -4977,7 +4984,15 @@
                       <a:pPr algn="ctr"/>
                       <a:r>
                         <a:rPr lang="fr-FR" dirty="0" smtClean="0"/>
-                        <a:t>Développement front-end dynamique</a:t>
+                        <a:t>Développement </a:t>
+                      </a:r>
+                      <a:r>
+                        <a:rPr lang="fr-FR" dirty="0" smtClean="0"/>
+                        <a:t>Front-End </a:t>
+                      </a:r>
+                      <a:r>
+                        <a:rPr lang="fr-FR" dirty="0" smtClean="0"/>
+                        <a:t>dynamique</a:t>
                       </a:r>
                       <a:endParaRPr lang="fr-FR" dirty="0"/>
                     </a:p>
@@ -4994,7 +5009,7 @@
                       <a:pPr algn="ctr"/>
                       <a:r>
                         <a:rPr lang="fr-FR" dirty="0" smtClean="0"/>
-                        <a:t>HTML</a:t>
+                        <a:t>HTML5</a:t>
                       </a:r>
                       <a:endParaRPr lang="fr-FR" dirty="0"/>
                     </a:p>
@@ -5009,7 +5024,15 @@
                       <a:pPr algn="ctr"/>
                       <a:r>
                         <a:rPr lang="fr-FR" dirty="0" smtClean="0"/>
-                        <a:t>Développement front-end (</a:t>
+                        <a:t>Développement </a:t>
+                      </a:r>
+                      <a:r>
+                        <a:rPr lang="fr-FR" dirty="0" smtClean="0"/>
+                        <a:t>Front-End </a:t>
+                      </a:r>
+                      <a:r>
+                        <a:rPr lang="fr-FR" dirty="0" smtClean="0"/>
+                        <a:t>(</a:t>
                       </a:r>
                       <a:r>
                         <a:rPr lang="fr-FR" dirty="0" err="1" smtClean="0"/>
@@ -5034,7 +5057,7 @@
                       <a:pPr algn="ctr"/>
                       <a:r>
                         <a:rPr lang="fr-FR" dirty="0" smtClean="0"/>
-                        <a:t>CSS</a:t>
+                        <a:t>CSS3</a:t>
                       </a:r>
                       <a:endParaRPr lang="fr-FR" dirty="0"/>
                     </a:p>
@@ -5090,6 +5113,50 @@
                       <a:r>
                         <a:rPr lang="fr-FR" dirty="0" smtClean="0"/>
                         <a:t>Gestion base de données</a:t>
+                      </a:r>
+                      <a:endParaRPr lang="fr-FR" dirty="0"/>
+                    </a:p>
+                  </a:txBody>
+                  <a:tcPr/>
+                </a:tc>
+              </a:tr>
+              <a:tr h="882265">
+                <a:tc>
+                  <a:txBody>
+                    <a:bodyPr/>
+                    <a:lstStyle/>
+                    <a:p>
+                      <a:pPr algn="ctr"/>
+                      <a:r>
+                        <a:rPr lang="fr-FR" dirty="0" err="1" smtClean="0"/>
+                        <a:t>TypeScript</a:t>
+                      </a:r>
+                      <a:endParaRPr lang="fr-FR" dirty="0"/>
+                    </a:p>
+                  </a:txBody>
+                  <a:tcPr/>
+                </a:tc>
+                <a:tc>
+                  <a:txBody>
+                    <a:bodyPr/>
+                    <a:lstStyle/>
+                    <a:p>
+                      <a:pPr algn="ctr"/>
+                      <a:r>
+                        <a:rPr lang="fr-FR" dirty="0" err="1" smtClean="0"/>
+                        <a:t>Developpement</a:t>
+                      </a:r>
+                      <a:r>
+                        <a:rPr lang="fr-FR" dirty="0" smtClean="0"/>
+                        <a:t> Front-End (</a:t>
+                      </a:r>
+                      <a:r>
+                        <a:rPr lang="fr-FR" dirty="0" err="1" smtClean="0"/>
+                        <a:t>Angular</a:t>
+                      </a:r>
+                      <a:r>
+                        <a:rPr lang="fr-FR" dirty="0" smtClean="0"/>
+                        <a:t>)</a:t>
                       </a:r>
                       <a:endParaRPr lang="fr-FR" dirty="0"/>
                     </a:p>
@@ -5122,7 +5189,7 @@
         </p:blipFill>
         <p:spPr bwMode="auto">
           <a:xfrm>
-            <a:off x="920058" y="1928487"/>
+            <a:off x="1100078" y="1460435"/>
             <a:ext cx="697236" cy="936104"/>
           </a:xfrm>
           <a:prstGeom prst="rect">
@@ -5186,7 +5253,7 @@
         </p:blipFill>
         <p:spPr bwMode="auto">
           <a:xfrm>
-            <a:off x="969223" y="3080615"/>
+            <a:off x="1153197" y="2636912"/>
             <a:ext cx="648071" cy="648071"/>
           </a:xfrm>
           <a:prstGeom prst="rect">
@@ -5250,7 +5317,7 @@
         </p:blipFill>
         <p:spPr bwMode="auto">
           <a:xfrm>
-            <a:off x="969223" y="3872703"/>
+            <a:off x="1198906" y="3429000"/>
             <a:ext cx="648072" cy="648072"/>
           </a:xfrm>
           <a:prstGeom prst="rect">
@@ -5291,8 +5358,8 @@
         </p:blipFill>
         <p:spPr bwMode="auto">
           <a:xfrm>
-            <a:off x="1063940" y="4592783"/>
-            <a:ext cx="553355" cy="780692"/>
+            <a:off x="1281539" y="4293096"/>
+            <a:ext cx="519729" cy="733251"/>
           </a:xfrm>
           <a:prstGeom prst="rect">
             <a:avLst/>
@@ -5332,7 +5399,7 @@
         </p:blipFill>
         <p:spPr bwMode="auto">
           <a:xfrm>
-            <a:off x="883920" y="5600895"/>
+            <a:off x="974104" y="5157192"/>
             <a:ext cx="913394" cy="479532"/>
           </a:xfrm>
           <a:prstGeom prst="rect">
@@ -5346,6 +5413,70 @@
                   <a:srgbClr val="FFFFFF"/>
                 </a:solidFill>
               </a14:hiddenFill>
+            </a:ext>
+          </a:extLst>
+        </p:spPr>
+      </p:pic>
+      <p:pic>
+        <p:nvPicPr>
+          <p:cNvPr id="1027" name="Picture 3"/>
+          <p:cNvPicPr>
+            <a:picLocks noChangeAspect="1" noChangeArrowheads="1"/>
+          </p:cNvPicPr>
+          <p:nvPr/>
+        </p:nvPicPr>
+        <p:blipFill>
+          <a:blip r:embed="rId7" cstate="print">
+            <a:extLst>
+              <a:ext uri="{28A0092B-C50C-407E-A947-70E740481C1C}">
+                <a14:useLocalDpi xmlns:a14="http://schemas.microsoft.com/office/drawing/2010/main" val="0"/>
+              </a:ext>
+            </a:extLst>
+          </a:blip>
+          <a:srcRect/>
+          <a:stretch>
+            <a:fillRect/>
+          </a:stretch>
+        </p:blipFill>
+        <p:spPr bwMode="auto">
+          <a:xfrm>
+            <a:off x="1198906" y="5949280"/>
+            <a:ext cx="591602" cy="591602"/>
+          </a:xfrm>
+          <a:prstGeom prst="rect">
+            <a:avLst/>
+          </a:prstGeom>
+          <a:noFill/>
+          <a:ln>
+            <a:noFill/>
+          </a:ln>
+          <a:effectLst/>
+          <a:extLst>
+            <a:ext uri="{909E8E84-426E-40DD-AFC4-6F175D3DCCD1}">
+              <a14:hiddenFill xmlns:a14="http://schemas.microsoft.com/office/drawing/2010/main">
+                <a:solidFill>
+                  <a:schemeClr val="accent1"/>
+                </a:solidFill>
+              </a14:hiddenFill>
+            </a:ext>
+            <a:ext uri="{91240B29-F687-4F45-9708-019B960494DF}">
+              <a14:hiddenLine xmlns:a14="http://schemas.microsoft.com/office/drawing/2010/main" w="9525">
+                <a:solidFill>
+                  <a:schemeClr val="tx1"/>
+                </a:solidFill>
+                <a:miter lim="800000"/>
+                <a:headEnd/>
+                <a:tailEnd/>
+              </a14:hiddenLine>
+            </a:ext>
+            <a:ext uri="{AF507438-7753-43E0-B8FC-AC1667EBCBE1}">
+              <a14:hiddenEffects xmlns:a14="http://schemas.microsoft.com/office/drawing/2010/main">
+                <a:effectLst>
+                  <a:outerShdw dist="35921" dir="2700000" algn="ctr" rotWithShape="0">
+                    <a:schemeClr val="bg2"/>
+                  </a:outerShdw>
+                </a:effectLst>
+              </a14:hiddenEffects>
             </a:ext>
           </a:extLst>
         </p:spPr>
@@ -5407,6 +5538,105 @@
     <p:extLst>
       <p:ext uri="{BB962C8B-B14F-4D97-AF65-F5344CB8AC3E}">
         <p14:creationId xmlns:p14="http://schemas.microsoft.com/office/powerpoint/2010/main" val="3824065133"/>
+      </p:ext>
+    </p:extLst>
+  </p:cSld>
+  <p:clrMapOvr>
+    <a:masterClrMapping/>
+  </p:clrMapOvr>
+</p:sld>
+</file>
+
+<file path=ppt/slides/slide7.xml><?xml version="1.0" encoding="utf-8"?>
+<p:sld xmlns:a="http://schemas.openxmlformats.org/drawingml/2006/main" xmlns:r="http://schemas.openxmlformats.org/officeDocument/2006/relationships" xmlns:p="http://schemas.openxmlformats.org/presentationml/2006/main">
+  <p:cSld>
+    <p:spTree>
+      <p:nvGrpSpPr>
+        <p:cNvPr id="1" name=""/>
+        <p:cNvGrpSpPr/>
+        <p:nvPr/>
+      </p:nvGrpSpPr>
+      <p:grpSpPr>
+        <a:xfrm>
+          <a:off x="0" y="0"/>
+          <a:ext cx="0" cy="0"/>
+          <a:chOff x="0" y="0"/>
+          <a:chExt cx="0" cy="0"/>
+        </a:xfrm>
+      </p:grpSpPr>
+      <p:sp>
+        <p:nvSpPr>
+          <p:cNvPr id="2" name="Titre 1"/>
+          <p:cNvSpPr>
+            <a:spLocks noGrp="1"/>
+          </p:cNvSpPr>
+          <p:nvPr>
+            <p:ph type="title"/>
+          </p:nvPr>
+        </p:nvSpPr>
+        <p:spPr/>
+        <p:txBody>
+          <a:bodyPr/>
+          <a:lstStyle/>
+          <a:p>
+            <a:r>
+              <a:rPr lang="fr-FR" dirty="0" smtClean="0"/>
+              <a:t>Estimation temps de projet</a:t>
+            </a:r>
+            <a:endParaRPr lang="fr-FR" dirty="0"/>
+          </a:p>
+        </p:txBody>
+      </p:sp>
+      <p:sp>
+        <p:nvSpPr>
+          <p:cNvPr id="3" name="Espace réservé du contenu 2"/>
+          <p:cNvSpPr>
+            <a:spLocks noGrp="1"/>
+          </p:cNvSpPr>
+          <p:nvPr>
+            <p:ph idx="1"/>
+          </p:nvPr>
+        </p:nvSpPr>
+        <p:spPr/>
+        <p:txBody>
+          <a:bodyPr>
+            <a:normAutofit/>
+          </a:bodyPr>
+          <a:lstStyle/>
+          <a:p>
+            <a:r>
+              <a:rPr lang="fr-FR" sz="2400" dirty="0" smtClean="0"/>
+              <a:t>Temps passé : (1+1+1,5+1,5+2+1,5+1+4+0,5=14 journées)*7heures=98heures(+/- 100heures) * 4 personnes = 400 heures</a:t>
+            </a:r>
+            <a:endParaRPr lang="fr-FR" sz="2400" dirty="0" smtClean="0"/>
+          </a:p>
+          <a:p>
+            <a:endParaRPr lang="fr-FR" sz="2400" dirty="0"/>
+          </a:p>
+          <a:p>
+            <a:r>
+              <a:rPr lang="fr-FR" sz="2400" dirty="0" smtClean="0"/>
+              <a:t>Temps restant </a:t>
+            </a:r>
+            <a:r>
+              <a:rPr lang="fr-FR" sz="2400" dirty="0" err="1" smtClean="0"/>
+              <a:t>nécéssaire</a:t>
+            </a:r>
+            <a:r>
+              <a:rPr lang="fr-FR" sz="2400" dirty="0" smtClean="0"/>
+              <a:t> estimé : </a:t>
+            </a:r>
+            <a:endParaRPr lang="fr-FR" sz="2400" dirty="0" smtClean="0"/>
+          </a:p>
+          <a:p>
+            <a:endParaRPr lang="fr-FR" sz="2400" dirty="0"/>
+          </a:p>
+        </p:txBody>
+      </p:sp>
+    </p:spTree>
+    <p:extLst>
+      <p:ext uri="{BB962C8B-B14F-4D97-AF65-F5344CB8AC3E}">
+        <p14:creationId xmlns:p14="http://schemas.microsoft.com/office/powerpoint/2010/main" val="2034263109"/>
       </p:ext>
     </p:extLst>
   </p:cSld>

--- a/Diapo présentation projet.pptx
+++ b/Diapo présentation projet.pptx
@@ -108,6 +108,22 @@
       </a:defRPr>
     </a:lvl9pPr>
   </p:defaultTextStyle>
+  <p:extLst>
+    <p:ext uri="{EFAFB233-063F-42B5-8137-9DF3F51BA10A}">
+      <p15:sldGuideLst xmlns:p15="http://schemas.microsoft.com/office/powerpoint/2012/main">
+        <p15:guide id="1" orient="horz" pos="2160">
+          <p15:clr>
+            <a:srgbClr val="A4A3A4"/>
+          </p15:clr>
+        </p15:guide>
+        <p15:guide id="2" pos="2880">
+          <p15:clr>
+            <a:srgbClr val="A4A3A4"/>
+          </p15:clr>
+        </p15:guide>
+      </p15:sldGuideLst>
+    </p:ext>
+  </p:extLst>
 </p:presentation>
 </file>
 
@@ -149,10 +165,9 @@
           <a:lstStyle/>
           <a:p>
             <a:r>
-              <a:rPr lang="fr-FR" smtClean="0"/>
+              <a:rPr lang="fr-FR"/>
               <a:t>Modifiez le style du titre</a:t>
             </a:r>
-            <a:endParaRPr lang="fr-FR"/>
           </a:p>
         </p:txBody>
       </p:sp>
@@ -268,10 +283,9 @@
           </a:lstStyle>
           <a:p>
             <a:r>
-              <a:rPr lang="fr-FR" smtClean="0"/>
+              <a:rPr lang="fr-FR"/>
               <a:t>Modifiez le style des sous-titres du masque</a:t>
             </a:r>
-            <a:endParaRPr lang="fr-FR"/>
           </a:p>
         </p:txBody>
       </p:sp>
@@ -292,7 +306,7 @@
           <a:p>
             <a:fld id="{17443F24-6673-4B1A-8620-59776DAB236F}" type="datetimeFigureOut">
               <a:rPr lang="fr-FR" smtClean="0"/>
-              <a:t>11/10/2022</a:t>
+              <a:t>13/10/2022</a:t>
             </a:fld>
             <a:endParaRPr lang="fr-FR"/>
           </a:p>
@@ -386,10 +400,9 @@
           <a:lstStyle/>
           <a:p>
             <a:r>
-              <a:rPr lang="fr-FR" smtClean="0"/>
+              <a:rPr lang="fr-FR"/>
               <a:t>Modifiez le style du titre</a:t>
             </a:r>
-            <a:endParaRPr lang="fr-FR"/>
           </a:p>
         </p:txBody>
       </p:sp>
@@ -410,38 +423,37 @@
           <a:p>
             <a:pPr lvl="0"/>
             <a:r>
-              <a:rPr lang="fr-FR" smtClean="0"/>
+              <a:rPr lang="fr-FR"/>
               <a:t>Modifiez les styles du texte du masque</a:t>
             </a:r>
           </a:p>
           <a:p>
             <a:pPr lvl="1"/>
             <a:r>
-              <a:rPr lang="fr-FR" smtClean="0"/>
+              <a:rPr lang="fr-FR"/>
               <a:t>Deuxième niveau</a:t>
             </a:r>
           </a:p>
           <a:p>
             <a:pPr lvl="2"/>
             <a:r>
-              <a:rPr lang="fr-FR" smtClean="0"/>
+              <a:rPr lang="fr-FR"/>
               <a:t>Troisième niveau</a:t>
             </a:r>
           </a:p>
           <a:p>
             <a:pPr lvl="3"/>
             <a:r>
-              <a:rPr lang="fr-FR" smtClean="0"/>
+              <a:rPr lang="fr-FR"/>
               <a:t>Quatrième niveau</a:t>
             </a:r>
           </a:p>
           <a:p>
             <a:pPr lvl="4"/>
             <a:r>
-              <a:rPr lang="fr-FR" smtClean="0"/>
+              <a:rPr lang="fr-FR"/>
               <a:t>Cinquième niveau</a:t>
             </a:r>
-            <a:endParaRPr lang="fr-FR"/>
           </a:p>
         </p:txBody>
       </p:sp>
@@ -462,7 +474,7 @@
           <a:p>
             <a:fld id="{17443F24-6673-4B1A-8620-59776DAB236F}" type="datetimeFigureOut">
               <a:rPr lang="fr-FR" smtClean="0"/>
-              <a:t>11/10/2022</a:t>
+              <a:t>13/10/2022</a:t>
             </a:fld>
             <a:endParaRPr lang="fr-FR"/>
           </a:p>
@@ -561,10 +573,9 @@
           <a:lstStyle/>
           <a:p>
             <a:r>
-              <a:rPr lang="fr-FR" smtClean="0"/>
+              <a:rPr lang="fr-FR"/>
               <a:t>Modifiez le style du titre</a:t>
             </a:r>
-            <a:endParaRPr lang="fr-FR"/>
           </a:p>
         </p:txBody>
       </p:sp>
@@ -590,38 +601,37 @@
           <a:p>
             <a:pPr lvl="0"/>
             <a:r>
-              <a:rPr lang="fr-FR" smtClean="0"/>
+              <a:rPr lang="fr-FR"/>
               <a:t>Modifiez les styles du texte du masque</a:t>
             </a:r>
           </a:p>
           <a:p>
             <a:pPr lvl="1"/>
             <a:r>
-              <a:rPr lang="fr-FR" smtClean="0"/>
+              <a:rPr lang="fr-FR"/>
               <a:t>Deuxième niveau</a:t>
             </a:r>
           </a:p>
           <a:p>
             <a:pPr lvl="2"/>
             <a:r>
-              <a:rPr lang="fr-FR" smtClean="0"/>
+              <a:rPr lang="fr-FR"/>
               <a:t>Troisième niveau</a:t>
             </a:r>
           </a:p>
           <a:p>
             <a:pPr lvl="3"/>
             <a:r>
-              <a:rPr lang="fr-FR" smtClean="0"/>
+              <a:rPr lang="fr-FR"/>
               <a:t>Quatrième niveau</a:t>
             </a:r>
           </a:p>
           <a:p>
             <a:pPr lvl="4"/>
             <a:r>
-              <a:rPr lang="fr-FR" smtClean="0"/>
+              <a:rPr lang="fr-FR"/>
               <a:t>Cinquième niveau</a:t>
             </a:r>
-            <a:endParaRPr lang="fr-FR"/>
           </a:p>
         </p:txBody>
       </p:sp>
@@ -642,7 +652,7 @@
           <a:p>
             <a:fld id="{17443F24-6673-4B1A-8620-59776DAB236F}" type="datetimeFigureOut">
               <a:rPr lang="fr-FR" smtClean="0"/>
-              <a:t>11/10/2022</a:t>
+              <a:t>13/10/2022</a:t>
             </a:fld>
             <a:endParaRPr lang="fr-FR"/>
           </a:p>
@@ -736,10 +746,9 @@
           <a:lstStyle/>
           <a:p>
             <a:r>
-              <a:rPr lang="fr-FR" smtClean="0"/>
+              <a:rPr lang="fr-FR"/>
               <a:t>Modifiez le style du titre</a:t>
             </a:r>
-            <a:endParaRPr lang="fr-FR"/>
           </a:p>
         </p:txBody>
       </p:sp>
@@ -760,38 +769,37 @@
           <a:p>
             <a:pPr lvl="0"/>
             <a:r>
-              <a:rPr lang="fr-FR" smtClean="0"/>
+              <a:rPr lang="fr-FR"/>
               <a:t>Modifiez les styles du texte du masque</a:t>
             </a:r>
           </a:p>
           <a:p>
             <a:pPr lvl="1"/>
             <a:r>
-              <a:rPr lang="fr-FR" smtClean="0"/>
+              <a:rPr lang="fr-FR"/>
               <a:t>Deuxième niveau</a:t>
             </a:r>
           </a:p>
           <a:p>
             <a:pPr lvl="2"/>
             <a:r>
-              <a:rPr lang="fr-FR" smtClean="0"/>
+              <a:rPr lang="fr-FR"/>
               <a:t>Troisième niveau</a:t>
             </a:r>
           </a:p>
           <a:p>
             <a:pPr lvl="3"/>
             <a:r>
-              <a:rPr lang="fr-FR" smtClean="0"/>
+              <a:rPr lang="fr-FR"/>
               <a:t>Quatrième niveau</a:t>
             </a:r>
           </a:p>
           <a:p>
             <a:pPr lvl="4"/>
             <a:r>
-              <a:rPr lang="fr-FR" smtClean="0"/>
+              <a:rPr lang="fr-FR"/>
               <a:t>Cinquième niveau</a:t>
             </a:r>
-            <a:endParaRPr lang="fr-FR"/>
           </a:p>
         </p:txBody>
       </p:sp>
@@ -812,7 +820,7 @@
           <a:p>
             <a:fld id="{17443F24-6673-4B1A-8620-59776DAB236F}" type="datetimeFigureOut">
               <a:rPr lang="fr-FR" smtClean="0"/>
-              <a:t>11/10/2022</a:t>
+              <a:t>13/10/2022</a:t>
             </a:fld>
             <a:endParaRPr lang="fr-FR"/>
           </a:p>
@@ -915,10 +923,9 @@
           </a:lstStyle>
           <a:p>
             <a:r>
-              <a:rPr lang="fr-FR" smtClean="0"/>
+              <a:rPr lang="fr-FR"/>
               <a:t>Modifiez le style du titre</a:t>
             </a:r>
-            <a:endParaRPr lang="fr-FR"/>
           </a:p>
         </p:txBody>
       </p:sp>
@@ -1035,7 +1042,7 @@
           <a:p>
             <a:pPr lvl="0"/>
             <a:r>
-              <a:rPr lang="fr-FR" smtClean="0"/>
+              <a:rPr lang="fr-FR"/>
               <a:t>Modifiez les styles du texte du masque</a:t>
             </a:r>
           </a:p>
@@ -1058,7 +1065,7 @@
           <a:p>
             <a:fld id="{17443F24-6673-4B1A-8620-59776DAB236F}" type="datetimeFigureOut">
               <a:rPr lang="fr-FR" smtClean="0"/>
-              <a:t>11/10/2022</a:t>
+              <a:t>13/10/2022</a:t>
             </a:fld>
             <a:endParaRPr lang="fr-FR"/>
           </a:p>
@@ -1152,10 +1159,9 @@
           <a:lstStyle/>
           <a:p>
             <a:r>
-              <a:rPr lang="fr-FR" smtClean="0"/>
+              <a:rPr lang="fr-FR"/>
               <a:t>Modifiez le style du titre</a:t>
             </a:r>
-            <a:endParaRPr lang="fr-FR"/>
           </a:p>
         </p:txBody>
       </p:sp>
@@ -1209,38 +1215,37 @@
           <a:p>
             <a:pPr lvl="0"/>
             <a:r>
-              <a:rPr lang="fr-FR" smtClean="0"/>
+              <a:rPr lang="fr-FR"/>
               <a:t>Modifiez les styles du texte du masque</a:t>
             </a:r>
           </a:p>
           <a:p>
             <a:pPr lvl="1"/>
             <a:r>
-              <a:rPr lang="fr-FR" smtClean="0"/>
+              <a:rPr lang="fr-FR"/>
               <a:t>Deuxième niveau</a:t>
             </a:r>
           </a:p>
           <a:p>
             <a:pPr lvl="2"/>
             <a:r>
-              <a:rPr lang="fr-FR" smtClean="0"/>
+              <a:rPr lang="fr-FR"/>
               <a:t>Troisième niveau</a:t>
             </a:r>
           </a:p>
           <a:p>
             <a:pPr lvl="3"/>
             <a:r>
-              <a:rPr lang="fr-FR" smtClean="0"/>
+              <a:rPr lang="fr-FR"/>
               <a:t>Quatrième niveau</a:t>
             </a:r>
           </a:p>
           <a:p>
             <a:pPr lvl="4"/>
             <a:r>
-              <a:rPr lang="fr-FR" smtClean="0"/>
+              <a:rPr lang="fr-FR"/>
               <a:t>Cinquième niveau</a:t>
             </a:r>
-            <a:endParaRPr lang="fr-FR"/>
           </a:p>
         </p:txBody>
       </p:sp>
@@ -1294,38 +1299,37 @@
           <a:p>
             <a:pPr lvl="0"/>
             <a:r>
-              <a:rPr lang="fr-FR" smtClean="0"/>
+              <a:rPr lang="fr-FR"/>
               <a:t>Modifiez les styles du texte du masque</a:t>
             </a:r>
           </a:p>
           <a:p>
             <a:pPr lvl="1"/>
             <a:r>
-              <a:rPr lang="fr-FR" smtClean="0"/>
+              <a:rPr lang="fr-FR"/>
               <a:t>Deuxième niveau</a:t>
             </a:r>
           </a:p>
           <a:p>
             <a:pPr lvl="2"/>
             <a:r>
-              <a:rPr lang="fr-FR" smtClean="0"/>
+              <a:rPr lang="fr-FR"/>
               <a:t>Troisième niveau</a:t>
             </a:r>
           </a:p>
           <a:p>
             <a:pPr lvl="3"/>
             <a:r>
-              <a:rPr lang="fr-FR" smtClean="0"/>
+              <a:rPr lang="fr-FR"/>
               <a:t>Quatrième niveau</a:t>
             </a:r>
           </a:p>
           <a:p>
             <a:pPr lvl="4"/>
             <a:r>
-              <a:rPr lang="fr-FR" smtClean="0"/>
+              <a:rPr lang="fr-FR"/>
               <a:t>Cinquième niveau</a:t>
             </a:r>
-            <a:endParaRPr lang="fr-FR"/>
           </a:p>
         </p:txBody>
       </p:sp>
@@ -1346,7 +1350,7 @@
           <a:p>
             <a:fld id="{17443F24-6673-4B1A-8620-59776DAB236F}" type="datetimeFigureOut">
               <a:rPr lang="fr-FR" smtClean="0"/>
-              <a:t>11/10/2022</a:t>
+              <a:t>13/10/2022</a:t>
             </a:fld>
             <a:endParaRPr lang="fr-FR"/>
           </a:p>
@@ -1444,10 +1448,9 @@
           </a:lstStyle>
           <a:p>
             <a:r>
-              <a:rPr lang="fr-FR" smtClean="0"/>
+              <a:rPr lang="fr-FR"/>
               <a:t>Modifiez le style du titre</a:t>
             </a:r>
-            <a:endParaRPr lang="fr-FR"/>
           </a:p>
         </p:txBody>
       </p:sp>
@@ -1510,7 +1513,7 @@
           <a:p>
             <a:pPr lvl="0"/>
             <a:r>
-              <a:rPr lang="fr-FR" smtClean="0"/>
+              <a:rPr lang="fr-FR"/>
               <a:t>Modifiez les styles du texte du masque</a:t>
             </a:r>
           </a:p>
@@ -1566,38 +1569,37 @@
           <a:p>
             <a:pPr lvl="0"/>
             <a:r>
-              <a:rPr lang="fr-FR" smtClean="0"/>
+              <a:rPr lang="fr-FR"/>
               <a:t>Modifiez les styles du texte du masque</a:t>
             </a:r>
           </a:p>
           <a:p>
             <a:pPr lvl="1"/>
             <a:r>
-              <a:rPr lang="fr-FR" smtClean="0"/>
+              <a:rPr lang="fr-FR"/>
               <a:t>Deuxième niveau</a:t>
             </a:r>
           </a:p>
           <a:p>
             <a:pPr lvl="2"/>
             <a:r>
-              <a:rPr lang="fr-FR" smtClean="0"/>
+              <a:rPr lang="fr-FR"/>
               <a:t>Troisième niveau</a:t>
             </a:r>
           </a:p>
           <a:p>
             <a:pPr lvl="3"/>
             <a:r>
-              <a:rPr lang="fr-FR" smtClean="0"/>
+              <a:rPr lang="fr-FR"/>
               <a:t>Quatrième niveau</a:t>
             </a:r>
           </a:p>
           <a:p>
             <a:pPr lvl="4"/>
             <a:r>
-              <a:rPr lang="fr-FR" smtClean="0"/>
+              <a:rPr lang="fr-FR"/>
               <a:t>Cinquième niveau</a:t>
             </a:r>
-            <a:endParaRPr lang="fr-FR"/>
           </a:p>
         </p:txBody>
       </p:sp>
@@ -1660,7 +1662,7 @@
           <a:p>
             <a:pPr lvl="0"/>
             <a:r>
-              <a:rPr lang="fr-FR" smtClean="0"/>
+              <a:rPr lang="fr-FR"/>
               <a:t>Modifiez les styles du texte du masque</a:t>
             </a:r>
           </a:p>
@@ -1716,38 +1718,37 @@
           <a:p>
             <a:pPr lvl="0"/>
             <a:r>
-              <a:rPr lang="fr-FR" smtClean="0"/>
+              <a:rPr lang="fr-FR"/>
               <a:t>Modifiez les styles du texte du masque</a:t>
             </a:r>
           </a:p>
           <a:p>
             <a:pPr lvl="1"/>
             <a:r>
-              <a:rPr lang="fr-FR" smtClean="0"/>
+              <a:rPr lang="fr-FR"/>
               <a:t>Deuxième niveau</a:t>
             </a:r>
           </a:p>
           <a:p>
             <a:pPr lvl="2"/>
             <a:r>
-              <a:rPr lang="fr-FR" smtClean="0"/>
+              <a:rPr lang="fr-FR"/>
               <a:t>Troisième niveau</a:t>
             </a:r>
           </a:p>
           <a:p>
             <a:pPr lvl="3"/>
             <a:r>
-              <a:rPr lang="fr-FR" smtClean="0"/>
+              <a:rPr lang="fr-FR"/>
               <a:t>Quatrième niveau</a:t>
             </a:r>
           </a:p>
           <a:p>
             <a:pPr lvl="4"/>
             <a:r>
-              <a:rPr lang="fr-FR" smtClean="0"/>
+              <a:rPr lang="fr-FR"/>
               <a:t>Cinquième niveau</a:t>
             </a:r>
-            <a:endParaRPr lang="fr-FR"/>
           </a:p>
         </p:txBody>
       </p:sp>
@@ -1768,7 +1769,7 @@
           <a:p>
             <a:fld id="{17443F24-6673-4B1A-8620-59776DAB236F}" type="datetimeFigureOut">
               <a:rPr lang="fr-FR" smtClean="0"/>
-              <a:t>11/10/2022</a:t>
+              <a:t>13/10/2022</a:t>
             </a:fld>
             <a:endParaRPr lang="fr-FR"/>
           </a:p>
@@ -1862,10 +1863,9 @@
           <a:lstStyle/>
           <a:p>
             <a:r>
-              <a:rPr lang="fr-FR" smtClean="0"/>
+              <a:rPr lang="fr-FR"/>
               <a:t>Modifiez le style du titre</a:t>
             </a:r>
-            <a:endParaRPr lang="fr-FR"/>
           </a:p>
         </p:txBody>
       </p:sp>
@@ -1886,7 +1886,7 @@
           <a:p>
             <a:fld id="{17443F24-6673-4B1A-8620-59776DAB236F}" type="datetimeFigureOut">
               <a:rPr lang="fr-FR" smtClean="0"/>
-              <a:t>11/10/2022</a:t>
+              <a:t>13/10/2022</a:t>
             </a:fld>
             <a:endParaRPr lang="fr-FR"/>
           </a:p>
@@ -1981,7 +1981,7 @@
           <a:p>
             <a:fld id="{17443F24-6673-4B1A-8620-59776DAB236F}" type="datetimeFigureOut">
               <a:rPr lang="fr-FR" smtClean="0"/>
-              <a:t>11/10/2022</a:t>
+              <a:t>13/10/2022</a:t>
             </a:fld>
             <a:endParaRPr lang="fr-FR"/>
           </a:p>
@@ -2084,10 +2084,9 @@
           </a:lstStyle>
           <a:p>
             <a:r>
-              <a:rPr lang="fr-FR" smtClean="0"/>
+              <a:rPr lang="fr-FR"/>
               <a:t>Modifiez le style du titre</a:t>
             </a:r>
-            <a:endParaRPr lang="fr-FR"/>
           </a:p>
         </p:txBody>
       </p:sp>
@@ -2141,38 +2140,37 @@
           <a:p>
             <a:pPr lvl="0"/>
             <a:r>
-              <a:rPr lang="fr-FR" smtClean="0"/>
+              <a:rPr lang="fr-FR"/>
               <a:t>Modifiez les styles du texte du masque</a:t>
             </a:r>
           </a:p>
           <a:p>
             <a:pPr lvl="1"/>
             <a:r>
-              <a:rPr lang="fr-FR" smtClean="0"/>
+              <a:rPr lang="fr-FR"/>
               <a:t>Deuxième niveau</a:t>
             </a:r>
           </a:p>
           <a:p>
             <a:pPr lvl="2"/>
             <a:r>
-              <a:rPr lang="fr-FR" smtClean="0"/>
+              <a:rPr lang="fr-FR"/>
               <a:t>Troisième niveau</a:t>
             </a:r>
           </a:p>
           <a:p>
             <a:pPr lvl="3"/>
             <a:r>
-              <a:rPr lang="fr-FR" smtClean="0"/>
+              <a:rPr lang="fr-FR"/>
               <a:t>Quatrième niveau</a:t>
             </a:r>
           </a:p>
           <a:p>
             <a:pPr lvl="4"/>
             <a:r>
-              <a:rPr lang="fr-FR" smtClean="0"/>
+              <a:rPr lang="fr-FR"/>
               <a:t>Cinquième niveau</a:t>
             </a:r>
-            <a:endParaRPr lang="fr-FR"/>
           </a:p>
         </p:txBody>
       </p:sp>
@@ -2235,7 +2233,7 @@
           <a:p>
             <a:pPr lvl="0"/>
             <a:r>
-              <a:rPr lang="fr-FR" smtClean="0"/>
+              <a:rPr lang="fr-FR"/>
               <a:t>Modifiez les styles du texte du masque</a:t>
             </a:r>
           </a:p>
@@ -2258,7 +2256,7 @@
           <a:p>
             <a:fld id="{17443F24-6673-4B1A-8620-59776DAB236F}" type="datetimeFigureOut">
               <a:rPr lang="fr-FR" smtClean="0"/>
-              <a:t>11/10/2022</a:t>
+              <a:t>13/10/2022</a:t>
             </a:fld>
             <a:endParaRPr lang="fr-FR"/>
           </a:p>
@@ -2361,10 +2359,9 @@
           </a:lstStyle>
           <a:p>
             <a:r>
-              <a:rPr lang="fr-FR" smtClean="0"/>
+              <a:rPr lang="fr-FR"/>
               <a:t>Modifiez le style du titre</a:t>
             </a:r>
-            <a:endParaRPr lang="fr-FR"/>
           </a:p>
         </p:txBody>
       </p:sp>
@@ -2488,7 +2485,7 @@
           <a:p>
             <a:pPr lvl="0"/>
             <a:r>
-              <a:rPr lang="fr-FR" smtClean="0"/>
+              <a:rPr lang="fr-FR"/>
               <a:t>Modifiez les styles du texte du masque</a:t>
             </a:r>
           </a:p>
@@ -2511,7 +2508,7 @@
           <a:p>
             <a:fld id="{17443F24-6673-4B1A-8620-59776DAB236F}" type="datetimeFigureOut">
               <a:rPr lang="fr-FR" smtClean="0"/>
-              <a:t>11/10/2022</a:t>
+              <a:t>13/10/2022</a:t>
             </a:fld>
             <a:endParaRPr lang="fr-FR"/>
           </a:p>
@@ -2620,10 +2617,9 @@
           <a:lstStyle/>
           <a:p>
             <a:r>
-              <a:rPr lang="fr-FR" smtClean="0"/>
+              <a:rPr lang="fr-FR"/>
               <a:t>Modifiez le style du titre</a:t>
             </a:r>
-            <a:endParaRPr lang="fr-FR"/>
           </a:p>
         </p:txBody>
       </p:sp>
@@ -2654,38 +2650,37 @@
           <a:p>
             <a:pPr lvl="0"/>
             <a:r>
-              <a:rPr lang="fr-FR" smtClean="0"/>
+              <a:rPr lang="fr-FR"/>
               <a:t>Modifiez les styles du texte du masque</a:t>
             </a:r>
           </a:p>
           <a:p>
             <a:pPr lvl="1"/>
             <a:r>
-              <a:rPr lang="fr-FR" smtClean="0"/>
+              <a:rPr lang="fr-FR"/>
               <a:t>Deuxième niveau</a:t>
             </a:r>
           </a:p>
           <a:p>
             <a:pPr lvl="2"/>
             <a:r>
-              <a:rPr lang="fr-FR" smtClean="0"/>
+              <a:rPr lang="fr-FR"/>
               <a:t>Troisième niveau</a:t>
             </a:r>
           </a:p>
           <a:p>
             <a:pPr lvl="3"/>
             <a:r>
-              <a:rPr lang="fr-FR" smtClean="0"/>
+              <a:rPr lang="fr-FR"/>
               <a:t>Quatrième niveau</a:t>
             </a:r>
           </a:p>
           <a:p>
             <a:pPr lvl="4"/>
             <a:r>
-              <a:rPr lang="fr-FR" smtClean="0"/>
+              <a:rPr lang="fr-FR"/>
               <a:t>Cinquième niveau</a:t>
             </a:r>
-            <a:endParaRPr lang="fr-FR"/>
           </a:p>
         </p:txBody>
       </p:sp>
@@ -2724,7 +2719,7 @@
           <a:p>
             <a:fld id="{17443F24-6673-4B1A-8620-59776DAB236F}" type="datetimeFigureOut">
               <a:rPr lang="fr-FR" smtClean="0"/>
-              <a:t>11/10/2022</a:t>
+              <a:t>13/10/2022</a:t>
             </a:fld>
             <a:endParaRPr lang="fr-FR"/>
           </a:p>
@@ -3120,10 +3115,9 @@
           <a:lstStyle/>
           <a:p>
             <a:r>
-              <a:rPr lang="fr-FR" dirty="0" smtClean="0"/>
+              <a:rPr lang="fr-FR" dirty="0"/>
               <a:t>Projet Echecs</a:t>
             </a:r>
-            <a:endParaRPr lang="fr-FR" dirty="0"/>
           </a:p>
         </p:txBody>
       </p:sp>
@@ -3148,19 +3142,19 @@
           <a:lstStyle/>
           <a:p>
             <a:r>
-              <a:rPr lang="fr-FR" dirty="0" smtClean="0"/>
+              <a:rPr lang="fr-FR" dirty="0"/>
               <a:t>Formation Ingénieur Développement JAVA/</a:t>
             </a:r>
             <a:r>
-              <a:rPr lang="fr-FR" dirty="0" err="1" smtClean="0"/>
+              <a:rPr lang="fr-FR" dirty="0" err="1"/>
               <a:t>Spring</a:t>
             </a:r>
             <a:r>
-              <a:rPr lang="fr-FR" dirty="0" smtClean="0"/>
+              <a:rPr lang="fr-FR" dirty="0"/>
               <a:t>/</a:t>
             </a:r>
             <a:r>
-              <a:rPr lang="fr-FR" dirty="0" err="1" smtClean="0"/>
+              <a:rPr lang="fr-FR" dirty="0" err="1"/>
               <a:t>Angular</a:t>
             </a:r>
             <a:endParaRPr lang="fr-FR" dirty="0"/>
@@ -3345,25 +3339,25 @@
           </a:lstStyle>
           <a:p>
             <a:r>
-              <a:rPr lang="fr-FR" dirty="0" smtClean="0"/>
+              <a:rPr lang="fr-FR" dirty="0"/>
               <a:t>Félix DESMOULIN</a:t>
             </a:r>
           </a:p>
           <a:p>
             <a:r>
-              <a:rPr lang="fr-FR" dirty="0" smtClean="0"/>
+              <a:rPr lang="fr-FR" dirty="0"/>
               <a:t>François-Marie MASSON</a:t>
             </a:r>
           </a:p>
           <a:p>
             <a:r>
-              <a:rPr lang="fr-FR" dirty="0" smtClean="0"/>
+              <a:rPr lang="fr-FR" dirty="0"/>
               <a:t>François PHILIPPE</a:t>
             </a:r>
           </a:p>
           <a:p>
             <a:r>
-              <a:rPr lang="fr-FR" dirty="0" smtClean="0"/>
+              <a:rPr lang="fr-FR" dirty="0"/>
               <a:t>Nicolas PERRET</a:t>
             </a:r>
           </a:p>
@@ -3539,10 +3533,9 @@
           <a:lstStyle/>
           <a:p>
             <a:r>
-              <a:rPr lang="fr-FR" dirty="0" smtClean="0"/>
+              <a:rPr lang="fr-FR" dirty="0"/>
               <a:t>Introduction</a:t>
             </a:r>
-            <a:endParaRPr lang="fr-FR" dirty="0"/>
           </a:p>
         </p:txBody>
       </p:sp>
@@ -3565,23 +3558,8 @@
           <a:p>
             <a:pPr algn="ctr"/>
             <a:r>
-              <a:rPr lang="fr-FR" sz="2400" dirty="0" smtClean="0"/>
+              <a:rPr lang="fr-FR" sz="2400" dirty="0"/>
               <a:t>Présentation des membres de l’équipe</a:t>
-            </a:r>
-          </a:p>
-          <a:p>
-            <a:pPr marL="0" indent="0">
-              <a:buNone/>
-            </a:pPr>
-            <a:endParaRPr lang="fr-FR" sz="2400" dirty="0" smtClean="0"/>
-          </a:p>
-          <a:p>
-            <a:pPr marL="0" indent="0">
-              <a:buNone/>
-            </a:pPr>
-            <a:r>
-              <a:rPr lang="fr-FR" sz="2400" dirty="0" smtClean="0"/>
-              <a:t>Felix DESMOULIN</a:t>
             </a:r>
           </a:p>
           <a:p>
@@ -3595,8 +3573,8 @@
               <a:buNone/>
             </a:pPr>
             <a:r>
-              <a:rPr lang="fr-FR" sz="2400" dirty="0" smtClean="0"/>
-              <a:t>François-Marie MASSON</a:t>
+              <a:rPr lang="fr-FR" sz="2400" dirty="0"/>
+              <a:t>Felix DESMOULIN</a:t>
             </a:r>
           </a:p>
           <a:p>
@@ -3610,8 +3588,8 @@
               <a:buNone/>
             </a:pPr>
             <a:r>
-              <a:rPr lang="fr-FR" sz="2400" dirty="0" smtClean="0"/>
-              <a:t>François PHILIPPE</a:t>
+              <a:rPr lang="fr-FR" sz="2400" dirty="0"/>
+              <a:t>François-Marie MASSON</a:t>
             </a:r>
           </a:p>
           <a:p>
@@ -3625,7 +3603,22 @@
               <a:buNone/>
             </a:pPr>
             <a:r>
-              <a:rPr lang="fr-FR" sz="2400" dirty="0" smtClean="0"/>
+              <a:rPr lang="fr-FR" sz="2400" dirty="0"/>
+              <a:t>François PHILIPPE</a:t>
+            </a:r>
+          </a:p>
+          <a:p>
+            <a:pPr marL="0" indent="0">
+              <a:buNone/>
+            </a:pPr>
+            <a:endParaRPr lang="fr-FR" sz="2400" dirty="0"/>
+          </a:p>
+          <a:p>
+            <a:pPr marL="0" indent="0">
+              <a:buNone/>
+            </a:pPr>
+            <a:r>
+              <a:rPr lang="fr-FR" sz="2400" dirty="0"/>
               <a:t>Nicolas PERRET</a:t>
             </a:r>
           </a:p>
@@ -3677,10 +3670,9 @@
           <a:lstStyle/>
           <a:p>
             <a:r>
-              <a:rPr lang="fr-FR" dirty="0" smtClean="0"/>
+              <a:rPr lang="fr-FR" dirty="0"/>
               <a:t>Introduction</a:t>
             </a:r>
-            <a:endParaRPr lang="fr-FR" dirty="0"/>
           </a:p>
         </p:txBody>
       </p:sp>
@@ -3697,17 +3689,13 @@
         <p:spPr/>
         <p:txBody>
           <a:bodyPr>
-            <a:normAutofit/>
+            <a:normAutofit lnSpcReduction="10000"/>
           </a:bodyPr>
           <a:lstStyle/>
           <a:p>
             <a:r>
-              <a:rPr lang="fr-FR" sz="2400" smtClean="0"/>
-              <a:t>Idées principales </a:t>
-            </a:r>
-            <a:r>
-              <a:rPr lang="fr-FR" sz="2400" dirty="0" smtClean="0"/>
-              <a:t>du projet</a:t>
+              <a:rPr lang="fr-FR" sz="2400" dirty="0"/>
+              <a:t>Idées principales du projet</a:t>
             </a:r>
           </a:p>
           <a:p>
@@ -3715,33 +3703,25 @@
           </a:p>
           <a:p>
             <a:r>
-              <a:rPr lang="fr-FR" sz="2400" dirty="0" smtClean="0"/>
-              <a:t>Création d’un jeu d’échecs complet</a:t>
-            </a:r>
-            <a:r>
               <a:rPr lang="fr-FR" sz="2400" dirty="0"/>
-              <a:t> </a:t>
-            </a:r>
-            <a:r>
-              <a:rPr lang="fr-FR" sz="2400" dirty="0" smtClean="0"/>
-              <a:t>jouable :</a:t>
-            </a:r>
-          </a:p>
-          <a:p>
-            <a:r>
-              <a:rPr lang="fr-FR" sz="2400" dirty="0" smtClean="0"/>
+              <a:t>Création d’un jeu d’échecs complet jouable :</a:t>
+            </a:r>
+          </a:p>
+          <a:p>
+            <a:r>
+              <a:rPr lang="fr-FR" sz="2400" dirty="0"/>
               <a:t>- à 2 joueurs</a:t>
             </a:r>
           </a:p>
           <a:p>
             <a:r>
-              <a:rPr lang="fr-FR" sz="2400" dirty="0" smtClean="0"/>
+              <a:rPr lang="fr-FR" sz="2400" dirty="0"/>
               <a:t>-contre une IA</a:t>
             </a:r>
           </a:p>
           <a:p>
             <a:r>
-              <a:rPr lang="fr-FR" sz="2400" dirty="0" smtClean="0"/>
+              <a:rPr lang="fr-FR" sz="2400" dirty="0"/>
               <a:t>- résolution de problèmes</a:t>
             </a:r>
           </a:p>
@@ -3750,19 +3730,25 @@
           </a:p>
           <a:p>
             <a:r>
-              <a:rPr lang="fr-FR" sz="2400" dirty="0" smtClean="0"/>
+              <a:rPr lang="fr-FR" sz="2400" dirty="0"/>
               <a:t>Inclusion de statistiques de jeu</a:t>
             </a:r>
           </a:p>
           <a:p>
             <a:r>
-              <a:rPr lang="fr-FR" sz="2400" dirty="0" smtClean="0"/>
+              <a:rPr lang="fr-FR" sz="2400" dirty="0"/>
+              <a:t>Inclusion d’un historique de partie consultable</a:t>
+            </a:r>
+          </a:p>
+          <a:p>
+            <a:r>
+              <a:rPr lang="fr-FR" sz="2400" dirty="0"/>
               <a:t>Inclusion d’un chat</a:t>
             </a:r>
           </a:p>
           <a:p>
             <a:r>
-              <a:rPr lang="fr-FR" sz="2400" dirty="0" smtClean="0"/>
+              <a:rPr lang="fr-FR" sz="2400" dirty="0"/>
               <a:t>Possibilité de créer et/ou modifier des problèmes</a:t>
             </a:r>
           </a:p>
@@ -3819,10 +3805,9 @@
           <a:lstStyle/>
           <a:p>
             <a:r>
-              <a:rPr lang="fr-FR" dirty="0" smtClean="0"/>
+              <a:rPr lang="fr-FR" dirty="0"/>
               <a:t> Technologies utilisées</a:t>
             </a:r>
-            <a:endParaRPr lang="fr-FR" dirty="0"/>
           </a:p>
         </p:txBody>
       </p:sp>
@@ -3852,9 +3837,27 @@
                 <a:tableStyleId>{5C22544A-7EE6-4342-B048-85BDC9FD1C3A}</a:tableStyleId>
               </a:tblPr>
               <a:tblGrid>
-                <a:gridCol w="2115683"/>
-                <a:gridCol w="2115683"/>
-                <a:gridCol w="2115683"/>
+                <a:gridCol w="2115683">
+                  <a:extLst>
+                    <a:ext uri="{9D8B030D-6E8A-4147-A177-3AD203B41FA5}">
+                      <a16:colId xmlns:a16="http://schemas.microsoft.com/office/drawing/2014/main" val="20000"/>
+                    </a:ext>
+                  </a:extLst>
+                </a:gridCol>
+                <a:gridCol w="2115683">
+                  <a:extLst>
+                    <a:ext uri="{9D8B030D-6E8A-4147-A177-3AD203B41FA5}">
+                      <a16:colId xmlns:a16="http://schemas.microsoft.com/office/drawing/2014/main" val="20001"/>
+                    </a:ext>
+                  </a:extLst>
+                </a:gridCol>
+                <a:gridCol w="2115683">
+                  <a:extLst>
+                    <a:ext uri="{9D8B030D-6E8A-4147-A177-3AD203B41FA5}">
+                      <a16:colId xmlns:a16="http://schemas.microsoft.com/office/drawing/2014/main" val="20002"/>
+                    </a:ext>
+                  </a:extLst>
+                </a:gridCol>
               </a:tblGrid>
               <a:tr h="568864">
                 <a:tc>
@@ -3864,8 +3867,192 @@
                     <a:p>
                       <a:pPr algn="ctr"/>
                       <a:r>
-                        <a:rPr lang="fr-FR" dirty="0" smtClean="0"/>
+                        <a:rPr lang="fr-FR" dirty="0"/>
                         <a:t>Nom</a:t>
+                      </a:r>
+                    </a:p>
+                  </a:txBody>
+                  <a:tcPr/>
+                </a:tc>
+                <a:tc>
+                  <a:txBody>
+                    <a:bodyPr/>
+                    <a:lstStyle/>
+                    <a:p>
+                      <a:pPr algn="ctr"/>
+                      <a:r>
+                        <a:rPr lang="fr-FR" dirty="0"/>
+                        <a:t>Type</a:t>
+                      </a:r>
+                    </a:p>
+                  </a:txBody>
+                  <a:tcPr/>
+                </a:tc>
+                <a:tc>
+                  <a:txBody>
+                    <a:bodyPr/>
+                    <a:lstStyle/>
+                    <a:p>
+                      <a:pPr algn="ctr"/>
+                      <a:r>
+                        <a:rPr lang="fr-FR" dirty="0"/>
+                        <a:t>Utilisation</a:t>
+                      </a:r>
+                    </a:p>
+                  </a:txBody>
+                  <a:tcPr/>
+                </a:tc>
+                <a:extLst>
+                  <a:ext uri="{0D108BD9-81ED-4DB2-BD59-A6C34878D82A}">
+                    <a16:rowId xmlns:a16="http://schemas.microsoft.com/office/drawing/2014/main" val="10000"/>
+                  </a:ext>
+                </a:extLst>
+              </a:tr>
+              <a:tr h="568864">
+                <a:tc>
+                  <a:txBody>
+                    <a:bodyPr/>
+                    <a:lstStyle/>
+                    <a:p>
+                      <a:pPr algn="ctr"/>
+                      <a:r>
+                        <a:rPr lang="fr-FR" dirty="0"/>
+                        <a:t>Eclipse</a:t>
+                      </a:r>
+                    </a:p>
+                  </a:txBody>
+                  <a:tcPr/>
+                </a:tc>
+                <a:tc>
+                  <a:txBody>
+                    <a:bodyPr/>
+                    <a:lstStyle/>
+                    <a:p>
+                      <a:pPr algn="ctr"/>
+                      <a:r>
+                        <a:rPr lang="fr-FR" dirty="0"/>
+                        <a:t>Logiciel </a:t>
+                      </a:r>
+                      <a:r>
+                        <a:rPr lang="fr-FR" dirty="0" err="1"/>
+                        <a:t>editeur</a:t>
+                      </a:r>
+                      <a:r>
+                        <a:rPr lang="fr-FR" dirty="0"/>
+                        <a:t> de code</a:t>
+                      </a:r>
+                    </a:p>
+                  </a:txBody>
+                  <a:tcPr/>
+                </a:tc>
+                <a:tc>
+                  <a:txBody>
+                    <a:bodyPr/>
+                    <a:lstStyle/>
+                    <a:p>
+                      <a:pPr algn="ctr"/>
+                      <a:r>
+                        <a:rPr lang="fr-FR" dirty="0" err="1"/>
+                        <a:t>Developpement</a:t>
+                      </a:r>
+                      <a:r>
+                        <a:rPr lang="fr-FR" dirty="0"/>
+                        <a:t> back-end en JAVA</a:t>
+                      </a:r>
+                    </a:p>
+                  </a:txBody>
+                  <a:tcPr/>
+                </a:tc>
+                <a:extLst>
+                  <a:ext uri="{0D108BD9-81ED-4DB2-BD59-A6C34878D82A}">
+                    <a16:rowId xmlns:a16="http://schemas.microsoft.com/office/drawing/2014/main" val="10001"/>
+                  </a:ext>
+                </a:extLst>
+              </a:tr>
+              <a:tr h="568864">
+                <a:tc>
+                  <a:txBody>
+                    <a:bodyPr/>
+                    <a:lstStyle/>
+                    <a:p>
+                      <a:pPr algn="ctr"/>
+                      <a:r>
+                        <a:rPr lang="fr-FR" dirty="0"/>
+                        <a:t>Visual Studio Code</a:t>
+                      </a:r>
+                    </a:p>
+                  </a:txBody>
+                  <a:tcPr/>
+                </a:tc>
+                <a:tc>
+                  <a:txBody>
+                    <a:bodyPr/>
+                    <a:lstStyle/>
+                    <a:p>
+                      <a:pPr algn="ctr"/>
+                      <a:r>
+                        <a:rPr lang="fr-FR" dirty="0"/>
+                        <a:t>Logiciel </a:t>
+                      </a:r>
+                      <a:r>
+                        <a:rPr lang="fr-FR" dirty="0" err="1"/>
+                        <a:t>editeur</a:t>
+                      </a:r>
+                      <a:r>
+                        <a:rPr lang="fr-FR" dirty="0"/>
+                        <a:t> de code</a:t>
+                      </a:r>
+                    </a:p>
+                  </a:txBody>
+                  <a:tcPr/>
+                </a:tc>
+                <a:tc>
+                  <a:txBody>
+                    <a:bodyPr/>
+                    <a:lstStyle/>
+                    <a:p>
+                      <a:pPr algn="ctr"/>
+                      <a:r>
+                        <a:rPr lang="fr-FR" dirty="0" err="1"/>
+                        <a:t>Developpement</a:t>
+                      </a:r>
+                      <a:r>
+                        <a:rPr lang="fr-FR" dirty="0"/>
+                        <a:t> back-end en </a:t>
+                      </a:r>
+                      <a:r>
+                        <a:rPr lang="fr-FR" dirty="0" err="1"/>
+                        <a:t>Javascript</a:t>
+                      </a:r>
+                      <a:r>
+                        <a:rPr lang="fr-FR" baseline="0" dirty="0"/>
+                        <a:t> + </a:t>
+                      </a:r>
+                      <a:r>
+                        <a:rPr lang="fr-FR" baseline="0" dirty="0" err="1"/>
+                        <a:t>Angular</a:t>
+                      </a:r>
+                      <a:endParaRPr lang="fr-FR" dirty="0"/>
+                    </a:p>
+                  </a:txBody>
+                  <a:tcPr/>
+                </a:tc>
+                <a:extLst>
+                  <a:ext uri="{0D108BD9-81ED-4DB2-BD59-A6C34878D82A}">
+                    <a16:rowId xmlns:a16="http://schemas.microsoft.com/office/drawing/2014/main" val="10002"/>
+                  </a:ext>
+                </a:extLst>
+              </a:tr>
+              <a:tr h="568864">
+                <a:tc>
+                  <a:txBody>
+                    <a:bodyPr/>
+                    <a:lstStyle/>
+                    <a:p>
+                      <a:pPr algn="ctr"/>
+                      <a:r>
+                        <a:rPr lang="fr-FR" dirty="0" err="1"/>
+                        <a:t>Beekeeper</a:t>
                       </a:r>
                       <a:endParaRPr lang="fr-FR" dirty="0"/>
                     </a:p>
@@ -3879,8 +4066,12 @@
                     <a:p>
                       <a:pPr algn="ctr"/>
                       <a:r>
-                        <a:rPr lang="fr-FR" dirty="0" smtClean="0"/>
-                        <a:t>Type</a:t>
+                        <a:rPr lang="fr-FR" dirty="0"/>
+                        <a:t>Logiciel</a:t>
+                      </a:r>
+                      <a:r>
+                        <a:rPr lang="fr-FR" baseline="0" dirty="0"/>
+                        <a:t> gestionnaire de base de données</a:t>
                       </a:r>
                       <a:endParaRPr lang="fr-FR" dirty="0"/>
                     </a:p>
@@ -3894,14 +4085,18 @@
                     <a:p>
                       <a:pPr algn="ctr"/>
                       <a:r>
-                        <a:rPr lang="fr-FR" dirty="0" smtClean="0"/>
-                        <a:t>Utilisation</a:t>
-                      </a:r>
-                      <a:endParaRPr lang="fr-FR" dirty="0"/>
+                        <a:rPr lang="fr-FR" dirty="0"/>
+                        <a:t>Gestion de la base de données</a:t>
+                      </a:r>
                     </a:p>
                   </a:txBody>
                   <a:tcPr/>
                 </a:tc>
+                <a:extLst>
+                  <a:ext uri="{0D108BD9-81ED-4DB2-BD59-A6C34878D82A}">
+                    <a16:rowId xmlns:a16="http://schemas.microsoft.com/office/drawing/2014/main" val="10003"/>
+                  </a:ext>
+                </a:extLst>
               </a:tr>
               <a:tr h="568864">
                 <a:tc>
@@ -3911,8 +4106,8 @@
                     <a:p>
                       <a:pPr algn="ctr"/>
                       <a:r>
-                        <a:rPr lang="fr-FR" dirty="0" smtClean="0"/>
-                        <a:t>Eclipse</a:t>
+                        <a:rPr lang="fr-FR" dirty="0" err="1"/>
+                        <a:t>Postman</a:t>
                       </a:r>
                       <a:endParaRPr lang="fr-FR" dirty="0"/>
                     </a:p>
@@ -3926,16 +4121,12 @@
                     <a:p>
                       <a:pPr algn="ctr"/>
                       <a:r>
-                        <a:rPr lang="fr-FR" dirty="0" smtClean="0"/>
-                        <a:t>Logiciel </a:t>
-                      </a:r>
-                      <a:r>
-                        <a:rPr lang="fr-FR" dirty="0" err="1" smtClean="0"/>
-                        <a:t>editeur</a:t>
-                      </a:r>
-                      <a:r>
-                        <a:rPr lang="fr-FR" dirty="0" smtClean="0"/>
-                        <a:t> de code</a:t>
+                        <a:rPr lang="fr-FR" dirty="0"/>
+                        <a:t>Logiciel</a:t>
+                      </a:r>
+                      <a:r>
+                        <a:rPr lang="fr-FR" baseline="0" dirty="0"/>
+                        <a:t> gestionnaire de base de données</a:t>
                       </a:r>
                       <a:endParaRPr lang="fr-FR" dirty="0"/>
                     </a:p>
@@ -3949,18 +4140,27 @@
                     <a:p>
                       <a:pPr algn="ctr"/>
                       <a:r>
-                        <a:rPr lang="fr-FR" dirty="0" err="1" smtClean="0"/>
-                        <a:t>Developpement</a:t>
-                      </a:r>
-                      <a:r>
-                        <a:rPr lang="fr-FR" dirty="0" smtClean="0"/>
-                        <a:t> back-end en JAVA</a:t>
+                        <a:rPr lang="fr-FR" dirty="0"/>
+                        <a:t>Tests</a:t>
+                      </a:r>
+                      <a:r>
+                        <a:rPr lang="fr-FR" baseline="0" dirty="0"/>
+                        <a:t> pour </a:t>
+                      </a:r>
+                      <a:r>
+                        <a:rPr lang="fr-FR" baseline="0" dirty="0" err="1"/>
+                        <a:t>Webservices</a:t>
                       </a:r>
                       <a:endParaRPr lang="fr-FR" dirty="0"/>
                     </a:p>
                   </a:txBody>
                   <a:tcPr/>
                 </a:tc>
+                <a:extLst>
+                  <a:ext uri="{0D108BD9-81ED-4DB2-BD59-A6C34878D82A}">
+                    <a16:rowId xmlns:a16="http://schemas.microsoft.com/office/drawing/2014/main" val="10004"/>
+                  </a:ext>
+                </a:extLst>
               </a:tr>
               <a:tr h="568864">
                 <a:tc>
@@ -3970,9 +4170,108 @@
                     <a:p>
                       <a:pPr algn="ctr"/>
                       <a:r>
-                        <a:rPr lang="fr-FR" dirty="0" smtClean="0"/>
-                        <a:t>Visual Studio Code</a:t>
-                      </a:r>
+                        <a:rPr lang="fr-FR" dirty="0" err="1"/>
+                        <a:t>Spring</a:t>
+                      </a:r>
+                      <a:r>
+                        <a:rPr lang="fr-FR" dirty="0"/>
+                        <a:t> BOOT</a:t>
+                      </a:r>
+                    </a:p>
+                  </a:txBody>
+                  <a:tcPr/>
+                </a:tc>
+                <a:tc>
+                  <a:txBody>
+                    <a:bodyPr/>
+                    <a:lstStyle/>
+                    <a:p>
+                      <a:pPr algn="ctr"/>
+                      <a:r>
+                        <a:rPr lang="fr-FR" dirty="0"/>
+                        <a:t>Framework</a:t>
+                      </a:r>
+                    </a:p>
+                  </a:txBody>
+                  <a:tcPr/>
+                </a:tc>
+                <a:tc>
+                  <a:txBody>
+                    <a:bodyPr/>
+                    <a:lstStyle/>
+                    <a:p>
+                      <a:pPr algn="ctr"/>
+                      <a:r>
+                        <a:rPr lang="fr-FR" dirty="0"/>
+                        <a:t>Création projet pour</a:t>
+                      </a:r>
+                      <a:r>
+                        <a:rPr lang="fr-FR" baseline="0" dirty="0"/>
+                        <a:t> </a:t>
+                      </a:r>
+                      <a:r>
+                        <a:rPr lang="fr-FR" baseline="0" dirty="0" err="1"/>
+                        <a:t>Webservice</a:t>
+                      </a:r>
+                      <a:endParaRPr lang="fr-FR" dirty="0"/>
+                    </a:p>
+                  </a:txBody>
+                  <a:tcPr/>
+                </a:tc>
+                <a:extLst>
+                  <a:ext uri="{0D108BD9-81ED-4DB2-BD59-A6C34878D82A}">
+                    <a16:rowId xmlns:a16="http://schemas.microsoft.com/office/drawing/2014/main" val="10005"/>
+                  </a:ext>
+                </a:extLst>
+              </a:tr>
+              <a:tr h="568864">
+                <a:tc>
+                  <a:txBody>
+                    <a:bodyPr/>
+                    <a:lstStyle/>
+                    <a:p>
+                      <a:pPr algn="ctr"/>
+                      <a:r>
+                        <a:rPr lang="fr-FR" dirty="0" err="1"/>
+                        <a:t>Spring</a:t>
+                      </a:r>
+                      <a:r>
+                        <a:rPr lang="fr-FR" dirty="0"/>
+                        <a:t> REST</a:t>
+                      </a:r>
+                    </a:p>
+                  </a:txBody>
+                  <a:tcPr/>
+                </a:tc>
+                <a:tc>
+                  <a:txBody>
+                    <a:bodyPr/>
+                    <a:lstStyle/>
+                    <a:p>
+                      <a:pPr marL="0" marR="0" indent="0" algn="ctr" defTabSz="914400" rtl="0" eaLnBrk="1" fontAlgn="auto" latinLnBrk="0" hangingPunct="1">
+                        <a:lnSpc>
+                          <a:spcPct val="100000"/>
+                        </a:lnSpc>
+                        <a:spcBef>
+                          <a:spcPts val="0"/>
+                        </a:spcBef>
+                        <a:spcAft>
+                          <a:spcPts val="0"/>
+                        </a:spcAft>
+                        <a:buClrTx/>
+                        <a:buSzTx/>
+                        <a:buFontTx/>
+                        <a:buNone/>
+                        <a:tabLst/>
+                        <a:defRPr/>
+                      </a:pPr>
+                      <a:r>
+                        <a:rPr lang="fr-FR" dirty="0"/>
+                        <a:t>Framework</a:t>
+                      </a:r>
+                    </a:p>
+                    <a:p>
+                      <a:pPr algn="ctr"/>
                       <a:endParaRPr lang="fr-FR" dirty="0"/>
                     </a:p>
                   </a:txBody>
@@ -3985,17 +4284,67 @@
                     <a:p>
                       <a:pPr algn="ctr"/>
                       <a:r>
-                        <a:rPr lang="fr-FR" dirty="0" smtClean="0"/>
-                        <a:t>Logiciel </a:t>
-                      </a:r>
-                      <a:r>
-                        <a:rPr lang="fr-FR" dirty="0" err="1" smtClean="0"/>
-                        <a:t>editeur</a:t>
-                      </a:r>
-                      <a:r>
-                        <a:rPr lang="fr-FR" dirty="0" smtClean="0"/>
-                        <a:t> de code</a:t>
-                      </a:r>
+                        <a:rPr lang="fr-FR" dirty="0"/>
+                        <a:t>Gestion des API</a:t>
+                      </a:r>
+                    </a:p>
+                  </a:txBody>
+                  <a:tcPr/>
+                </a:tc>
+                <a:extLst>
+                  <a:ext uri="{0D108BD9-81ED-4DB2-BD59-A6C34878D82A}">
+                    <a16:rowId xmlns:a16="http://schemas.microsoft.com/office/drawing/2014/main" val="10006"/>
+                  </a:ext>
+                </a:extLst>
+              </a:tr>
+              <a:tr h="568864">
+                <a:tc>
+                  <a:txBody>
+                    <a:bodyPr/>
+                    <a:lstStyle/>
+                    <a:p>
+                      <a:pPr algn="ctr"/>
+                      <a:r>
+                        <a:rPr lang="fr-FR" dirty="0" err="1"/>
+                        <a:t>Spring</a:t>
+                      </a:r>
+                      <a:r>
+                        <a:rPr lang="fr-FR" dirty="0"/>
+                        <a:t> SECURITY</a:t>
+                      </a:r>
+                    </a:p>
+                  </a:txBody>
+                  <a:tcPr/>
+                </a:tc>
+                <a:tc>
+                  <a:txBody>
+                    <a:bodyPr/>
+                    <a:lstStyle/>
+                    <a:p>
+                      <a:pPr marL="0" marR="0" indent="0" algn="ctr" defTabSz="914400" rtl="0" eaLnBrk="1" fontAlgn="auto" latinLnBrk="0" hangingPunct="1">
+                        <a:lnSpc>
+                          <a:spcPct val="100000"/>
+                        </a:lnSpc>
+                        <a:spcBef>
+                          <a:spcPts val="0"/>
+                        </a:spcBef>
+                        <a:spcAft>
+                          <a:spcPts val="0"/>
+                        </a:spcAft>
+                        <a:buClrTx/>
+                        <a:buSzTx/>
+                        <a:buFontTx/>
+                        <a:buNone/>
+                        <a:tabLst/>
+                        <a:defRPr/>
+                      </a:pPr>
+                      <a:r>
+                        <a:rPr lang="fr-FR" dirty="0"/>
+                        <a:t>Framework</a:t>
+                      </a:r>
+                    </a:p>
+                    <a:p>
+                      <a:pPr algn="ctr"/>
                       <a:endParaRPr lang="fr-FR" dirty="0"/>
                     </a:p>
                   </a:txBody>
@@ -4008,30 +4357,18 @@
                     <a:p>
                       <a:pPr algn="ctr"/>
                       <a:r>
-                        <a:rPr lang="fr-FR" dirty="0" err="1" smtClean="0"/>
-                        <a:t>Developpement</a:t>
-                      </a:r>
-                      <a:r>
-                        <a:rPr lang="fr-FR" dirty="0" smtClean="0"/>
-                        <a:t> back-end en </a:t>
-                      </a:r>
-                      <a:r>
-                        <a:rPr lang="fr-FR" dirty="0" err="1" smtClean="0"/>
-                        <a:t>Javascript</a:t>
-                      </a:r>
-                      <a:r>
-                        <a:rPr lang="fr-FR" baseline="0" dirty="0" smtClean="0"/>
-                        <a:t> + </a:t>
-                      </a:r>
-                      <a:r>
-                        <a:rPr lang="fr-FR" baseline="0" dirty="0" err="1" smtClean="0"/>
-                        <a:t>Angular</a:t>
-                      </a:r>
-                      <a:endParaRPr lang="fr-FR" dirty="0"/>
+                        <a:rPr lang="fr-FR" dirty="0"/>
+                        <a:t>Gestion de la sécurité</a:t>
+                      </a:r>
                     </a:p>
                   </a:txBody>
                   <a:tcPr/>
                 </a:tc>
+                <a:extLst>
+                  <a:ext uri="{0D108BD9-81ED-4DB2-BD59-A6C34878D82A}">
+                    <a16:rowId xmlns:a16="http://schemas.microsoft.com/office/drawing/2014/main" val="10007"/>
+                  </a:ext>
+                </a:extLst>
               </a:tr>
               <a:tr h="568864">
                 <a:tc>
@@ -4041,181 +4378,8 @@
                     <a:p>
                       <a:pPr algn="ctr"/>
                       <a:r>
-                        <a:rPr lang="fr-FR" dirty="0" err="1" smtClean="0"/>
-                        <a:t>Beekeeper</a:t>
-                      </a:r>
-                      <a:endParaRPr lang="fr-FR" dirty="0"/>
-                    </a:p>
-                  </a:txBody>
-                  <a:tcPr/>
-                </a:tc>
-                <a:tc>
-                  <a:txBody>
-                    <a:bodyPr/>
-                    <a:lstStyle/>
-                    <a:p>
-                      <a:pPr algn="ctr"/>
-                      <a:r>
-                        <a:rPr lang="fr-FR" dirty="0" smtClean="0"/>
-                        <a:t>Logiciel</a:t>
-                      </a:r>
-                      <a:r>
-                        <a:rPr lang="fr-FR" baseline="0" dirty="0" smtClean="0"/>
-                        <a:t> gestionnaire de base de données</a:t>
-                      </a:r>
-                      <a:endParaRPr lang="fr-FR" dirty="0"/>
-                    </a:p>
-                  </a:txBody>
-                  <a:tcPr/>
-                </a:tc>
-                <a:tc>
-                  <a:txBody>
-                    <a:bodyPr/>
-                    <a:lstStyle/>
-                    <a:p>
-                      <a:pPr algn="ctr"/>
-                      <a:r>
-                        <a:rPr lang="fr-FR" dirty="0" smtClean="0"/>
-                        <a:t>Gestion de la base de données</a:t>
-                      </a:r>
-                      <a:endParaRPr lang="fr-FR" dirty="0"/>
-                    </a:p>
-                  </a:txBody>
-                  <a:tcPr/>
-                </a:tc>
-              </a:tr>
-              <a:tr h="568864">
-                <a:tc>
-                  <a:txBody>
-                    <a:bodyPr/>
-                    <a:lstStyle/>
-                    <a:p>
-                      <a:pPr algn="ctr"/>
-                      <a:r>
-                        <a:rPr lang="fr-FR" dirty="0" err="1" smtClean="0"/>
-                        <a:t>Postman</a:t>
-                      </a:r>
-                      <a:endParaRPr lang="fr-FR" dirty="0"/>
-                    </a:p>
-                  </a:txBody>
-                  <a:tcPr/>
-                </a:tc>
-                <a:tc>
-                  <a:txBody>
-                    <a:bodyPr/>
-                    <a:lstStyle/>
-                    <a:p>
-                      <a:pPr algn="ctr"/>
-                      <a:r>
-                        <a:rPr lang="fr-FR" dirty="0" smtClean="0"/>
-                        <a:t>Logiciel</a:t>
-                      </a:r>
-                      <a:r>
-                        <a:rPr lang="fr-FR" baseline="0" dirty="0" smtClean="0"/>
-                        <a:t> gestionnaire de base de données</a:t>
-                      </a:r>
-                      <a:endParaRPr lang="fr-FR" dirty="0"/>
-                    </a:p>
-                  </a:txBody>
-                  <a:tcPr/>
-                </a:tc>
-                <a:tc>
-                  <a:txBody>
-                    <a:bodyPr/>
-                    <a:lstStyle/>
-                    <a:p>
-                      <a:pPr algn="ctr"/>
-                      <a:r>
-                        <a:rPr lang="fr-FR" dirty="0" smtClean="0"/>
-                        <a:t>Tests</a:t>
-                      </a:r>
-                      <a:r>
-                        <a:rPr lang="fr-FR" baseline="0" dirty="0" smtClean="0"/>
-                        <a:t> pour </a:t>
-                      </a:r>
-                      <a:r>
-                        <a:rPr lang="fr-FR" baseline="0" dirty="0" err="1" smtClean="0"/>
-                        <a:t>Webservices</a:t>
-                      </a:r>
-                      <a:endParaRPr lang="fr-FR" dirty="0"/>
-                    </a:p>
-                  </a:txBody>
-                  <a:tcPr/>
-                </a:tc>
-              </a:tr>
-              <a:tr h="568864">
-                <a:tc>
-                  <a:txBody>
-                    <a:bodyPr/>
-                    <a:lstStyle/>
-                    <a:p>
-                      <a:pPr algn="ctr"/>
-                      <a:r>
-                        <a:rPr lang="fr-FR" dirty="0" err="1" smtClean="0"/>
-                        <a:t>Spring</a:t>
-                      </a:r>
-                      <a:r>
-                        <a:rPr lang="fr-FR" dirty="0" smtClean="0"/>
-                        <a:t> BOOT</a:t>
-                      </a:r>
-                      <a:endParaRPr lang="fr-FR" dirty="0"/>
-                    </a:p>
-                  </a:txBody>
-                  <a:tcPr/>
-                </a:tc>
-                <a:tc>
-                  <a:txBody>
-                    <a:bodyPr/>
-                    <a:lstStyle/>
-                    <a:p>
-                      <a:pPr algn="ctr"/>
-                      <a:r>
-                        <a:rPr lang="fr-FR" dirty="0" smtClean="0"/>
-                        <a:t>Framework</a:t>
-                      </a:r>
-                      <a:endParaRPr lang="fr-FR" dirty="0"/>
-                    </a:p>
-                  </a:txBody>
-                  <a:tcPr/>
-                </a:tc>
-                <a:tc>
-                  <a:txBody>
-                    <a:bodyPr/>
-                    <a:lstStyle/>
-                    <a:p>
-                      <a:pPr algn="ctr"/>
-                      <a:r>
-                        <a:rPr lang="fr-FR" dirty="0" smtClean="0"/>
-                        <a:t>Création projet pour</a:t>
-                      </a:r>
-                      <a:r>
-                        <a:rPr lang="fr-FR" baseline="0" dirty="0" smtClean="0"/>
-                        <a:t> </a:t>
-                      </a:r>
-                      <a:r>
-                        <a:rPr lang="fr-FR" baseline="0" dirty="0" err="1" smtClean="0"/>
-                        <a:t>Webservice</a:t>
-                      </a:r>
-                      <a:endParaRPr lang="fr-FR" dirty="0"/>
-                    </a:p>
-                  </a:txBody>
-                  <a:tcPr/>
-                </a:tc>
-              </a:tr>
-              <a:tr h="568864">
-                <a:tc>
-                  <a:txBody>
-                    <a:bodyPr/>
-                    <a:lstStyle/>
-                    <a:p>
-                      <a:pPr algn="ctr"/>
-                      <a:r>
-                        <a:rPr lang="fr-FR" dirty="0" err="1" smtClean="0"/>
-                        <a:t>Spring</a:t>
-                      </a:r>
-                      <a:r>
-                        <a:rPr lang="fr-FR" dirty="0" smtClean="0"/>
-                        <a:t> REST</a:t>
+                        <a:rPr lang="fr-FR" dirty="0" err="1"/>
+                        <a:t>Angular</a:t>
                       </a:r>
                       <a:endParaRPr lang="fr-FR" dirty="0"/>
                     </a:p>
@@ -4245,7 +4409,7 @@
                         <a:defRPr/>
                       </a:pPr>
                       <a:r>
-                        <a:rPr lang="fr-FR" dirty="0" smtClean="0"/>
+                        <a:rPr lang="fr-FR" dirty="0"/>
                         <a:t>Framework</a:t>
                       </a:r>
                     </a:p>
@@ -4263,150 +4427,18 @@
                     <a:p>
                       <a:pPr algn="ctr"/>
                       <a:r>
-                        <a:rPr lang="fr-FR" dirty="0" smtClean="0"/>
-                        <a:t>Gestion des API</a:t>
-                      </a:r>
-                      <a:endParaRPr lang="fr-FR" dirty="0"/>
+                        <a:rPr lang="fr-FR" dirty="0"/>
+                        <a:t>Développement front-end</a:t>
+                      </a:r>
                     </a:p>
                   </a:txBody>
                   <a:tcPr/>
                 </a:tc>
-              </a:tr>
-              <a:tr h="568864">
-                <a:tc>
-                  <a:txBody>
-                    <a:bodyPr/>
-                    <a:lstStyle/>
-                    <a:p>
-                      <a:pPr algn="ctr"/>
-                      <a:r>
-                        <a:rPr lang="fr-FR" dirty="0" err="1" smtClean="0"/>
-                        <a:t>Spring</a:t>
-                      </a:r>
-                      <a:r>
-                        <a:rPr lang="fr-FR" dirty="0" smtClean="0"/>
-                        <a:t> SECURITY</a:t>
-                      </a:r>
-                      <a:endParaRPr lang="fr-FR" dirty="0"/>
-                    </a:p>
-                  </a:txBody>
-                  <a:tcPr/>
-                </a:tc>
-                <a:tc>
-                  <a:txBody>
-                    <a:bodyPr/>
-                    <a:lstStyle/>
-                    <a:p>
-                      <a:pPr marL="0" marR="0" indent="0" algn="ctr" defTabSz="914400" rtl="0" eaLnBrk="1" fontAlgn="auto" latinLnBrk="0" hangingPunct="1">
-                        <a:lnSpc>
-                          <a:spcPct val="100000"/>
-                        </a:lnSpc>
-                        <a:spcBef>
-                          <a:spcPts val="0"/>
-                        </a:spcBef>
-                        <a:spcAft>
-                          <a:spcPts val="0"/>
-                        </a:spcAft>
-                        <a:buClrTx/>
-                        <a:buSzTx/>
-                        <a:buFontTx/>
-                        <a:buNone/>
-                        <a:tabLst/>
-                        <a:defRPr/>
-                      </a:pPr>
-                      <a:r>
-                        <a:rPr lang="fr-FR" dirty="0" smtClean="0"/>
-                        <a:t>Framework</a:t>
-                      </a:r>
-                    </a:p>
-                    <a:p>
-                      <a:pPr algn="ctr"/>
-                      <a:endParaRPr lang="fr-FR" dirty="0"/>
-                    </a:p>
-                  </a:txBody>
-                  <a:tcPr/>
-                </a:tc>
-                <a:tc>
-                  <a:txBody>
-                    <a:bodyPr/>
-                    <a:lstStyle/>
-                    <a:p>
-                      <a:pPr algn="ctr"/>
-                      <a:r>
-                        <a:rPr lang="fr-FR" dirty="0" smtClean="0"/>
-                        <a:t>Gestion de la sécurité</a:t>
-                      </a:r>
-                      <a:endParaRPr lang="fr-FR" dirty="0"/>
-                    </a:p>
-                  </a:txBody>
-                  <a:tcPr/>
-                </a:tc>
-              </a:tr>
-              <a:tr h="568864">
-                <a:tc>
-                  <a:txBody>
-                    <a:bodyPr/>
-                    <a:lstStyle/>
-                    <a:p>
-                      <a:pPr algn="ctr"/>
-                      <a:r>
-                        <a:rPr lang="fr-FR" dirty="0" err="1" smtClean="0"/>
-                        <a:t>Angular</a:t>
-                      </a:r>
-                      <a:endParaRPr lang="fr-FR" dirty="0"/>
-                    </a:p>
-                  </a:txBody>
-                  <a:tcPr/>
-                </a:tc>
-                <a:tc>
-                  <a:txBody>
-                    <a:bodyPr/>
-                    <a:lstStyle/>
-                    <a:p>
-                      <a:pPr marL="0" marR="0" indent="0" algn="ctr" defTabSz="914400" rtl="0" eaLnBrk="1" fontAlgn="auto" latinLnBrk="0" hangingPunct="1">
-                        <a:lnSpc>
-                          <a:spcPct val="100000"/>
-                        </a:lnSpc>
-                        <a:spcBef>
-                          <a:spcPts val="0"/>
-                        </a:spcBef>
-                        <a:spcAft>
-                          <a:spcPts val="0"/>
-                        </a:spcAft>
-                        <a:buClrTx/>
-                        <a:buSzTx/>
-                        <a:buFontTx/>
-                        <a:buNone/>
-                        <a:tabLst/>
-                        <a:defRPr/>
-                      </a:pPr>
-                      <a:r>
-                        <a:rPr lang="fr-FR" dirty="0" smtClean="0"/>
-                        <a:t>Framework</a:t>
-                      </a:r>
-                    </a:p>
-                    <a:p>
-                      <a:pPr algn="ctr"/>
-                      <a:endParaRPr lang="fr-FR" dirty="0"/>
-                    </a:p>
-                  </a:txBody>
-                  <a:tcPr/>
-                </a:tc>
-                <a:tc>
-                  <a:txBody>
-                    <a:bodyPr/>
-                    <a:lstStyle/>
-                    <a:p>
-                      <a:pPr algn="ctr"/>
-                      <a:r>
-                        <a:rPr lang="fr-FR" dirty="0" smtClean="0"/>
-                        <a:t>Développement front-end</a:t>
-                      </a:r>
-                      <a:endParaRPr lang="fr-FR" dirty="0"/>
-                    </a:p>
-                  </a:txBody>
-                  <a:tcPr/>
-                </a:tc>
+                <a:extLst>
+                  <a:ext uri="{0D108BD9-81ED-4DB2-BD59-A6C34878D82A}">
+                    <a16:rowId xmlns:a16="http://schemas.microsoft.com/office/drawing/2014/main" val="10008"/>
+                  </a:ext>
+                </a:extLst>
               </a:tr>
             </a:tbl>
           </a:graphicData>
@@ -4854,10 +4886,9 @@
           <a:lstStyle/>
           <a:p>
             <a:r>
-              <a:rPr lang="fr-FR" dirty="0" smtClean="0"/>
+              <a:rPr lang="fr-FR" dirty="0"/>
               <a:t> Langages utilisés</a:t>
             </a:r>
-            <a:endParaRPr lang="fr-FR" dirty="0"/>
           </a:p>
         </p:txBody>
       </p:sp>
@@ -4887,8 +4918,20 @@
                 <a:tableStyleId>{5C22544A-7EE6-4342-B048-85BDC9FD1C3A}</a:tableStyleId>
               </a:tblPr>
               <a:tblGrid>
-                <a:gridCol w="3143077"/>
-                <a:gridCol w="3143077"/>
+                <a:gridCol w="3143077">
+                  <a:extLst>
+                    <a:ext uri="{9D8B030D-6E8A-4147-A177-3AD203B41FA5}">
+                      <a16:colId xmlns:a16="http://schemas.microsoft.com/office/drawing/2014/main" val="20000"/>
+                    </a:ext>
+                  </a:extLst>
+                </a:gridCol>
+                <a:gridCol w="3143077">
+                  <a:extLst>
+                    <a:ext uri="{9D8B030D-6E8A-4147-A177-3AD203B41FA5}">
+                      <a16:colId xmlns:a16="http://schemas.microsoft.com/office/drawing/2014/main" val="20001"/>
+                    </a:ext>
+                  </a:extLst>
+                </a:gridCol>
               </a:tblGrid>
               <a:tr h="882265">
                 <a:tc>
@@ -4897,10 +4940,9 @@
                     <a:lstStyle/>
                     <a:p>
                       <a:r>
-                        <a:rPr lang="fr-FR" dirty="0" smtClean="0"/>
+                        <a:rPr lang="fr-FR" dirty="0"/>
                         <a:t>Nom</a:t>
                       </a:r>
-                      <a:endParaRPr lang="fr-FR" dirty="0"/>
                     </a:p>
                   </a:txBody>
                   <a:tcPr/>
@@ -4911,14 +4953,18 @@
                     <a:lstStyle/>
                     <a:p>
                       <a:r>
-                        <a:rPr lang="fr-FR" dirty="0" smtClean="0"/>
+                        <a:rPr lang="fr-FR" dirty="0"/>
                         <a:t>Utilisation</a:t>
                       </a:r>
-                      <a:endParaRPr lang="fr-FR" dirty="0"/>
                     </a:p>
                   </a:txBody>
                   <a:tcPr/>
                 </a:tc>
+                <a:extLst>
+                  <a:ext uri="{0D108BD9-81ED-4DB2-BD59-A6C34878D82A}">
+                    <a16:rowId xmlns:a16="http://schemas.microsoft.com/office/drawing/2014/main" val="10000"/>
+                  </a:ext>
+                </a:extLst>
               </a:tr>
               <a:tr h="882265">
                 <a:tc>
@@ -4928,8 +4974,43 @@
                     <a:p>
                       <a:pPr algn="ctr"/>
                       <a:r>
-                        <a:rPr lang="fr-FR" dirty="0" smtClean="0"/>
+                        <a:rPr lang="fr-FR" dirty="0"/>
                         <a:t>Java</a:t>
+                      </a:r>
+                    </a:p>
+                  </a:txBody>
+                  <a:tcPr/>
+                </a:tc>
+                <a:tc>
+                  <a:txBody>
+                    <a:bodyPr/>
+                    <a:lstStyle/>
+                    <a:p>
+                      <a:pPr algn="ctr"/>
+                      <a:r>
+                        <a:rPr lang="fr-FR" dirty="0"/>
+                        <a:t>Développement back-end</a:t>
+                      </a:r>
+                    </a:p>
+                  </a:txBody>
+                  <a:tcPr/>
+                </a:tc>
+                <a:extLst>
+                  <a:ext uri="{0D108BD9-81ED-4DB2-BD59-A6C34878D82A}">
+                    <a16:rowId xmlns:a16="http://schemas.microsoft.com/office/drawing/2014/main" val="10001"/>
+                  </a:ext>
+                </a:extLst>
+              </a:tr>
+              <a:tr h="800640">
+                <a:tc>
+                  <a:txBody>
+                    <a:bodyPr/>
+                    <a:lstStyle/>
+                    <a:p>
+                      <a:pPr algn="ctr"/>
+                      <a:r>
+                        <a:rPr lang="fr-FR" dirty="0" err="1"/>
+                        <a:t>Javascript</a:t>
                       </a:r>
                       <a:endParaRPr lang="fr-FR" dirty="0"/>
                     </a:p>
@@ -4943,16 +5024,20 @@
                     <a:p>
                       <a:pPr algn="ctr"/>
                       <a:r>
-                        <a:rPr lang="fr-FR" dirty="0" smtClean="0"/>
-                        <a:t>Développement back-end</a:t>
-                      </a:r>
-                      <a:endParaRPr lang="fr-FR" dirty="0"/>
+                        <a:rPr lang="fr-FR" dirty="0"/>
+                        <a:t>Développement front-end dynamique</a:t>
+                      </a:r>
                     </a:p>
                   </a:txBody>
                   <a:tcPr/>
                 </a:tc>
+                <a:extLst>
+                  <a:ext uri="{0D108BD9-81ED-4DB2-BD59-A6C34878D82A}">
+                    <a16:rowId xmlns:a16="http://schemas.microsoft.com/office/drawing/2014/main" val="10002"/>
+                  </a:ext>
+                </a:extLst>
               </a:tr>
-              <a:tr h="800640">
+              <a:tr h="964226">
                 <a:tc>
                   <a:txBody>
                     <a:bodyPr/>
@@ -4960,10 +5045,9 @@
                     <a:p>
                       <a:pPr algn="ctr"/>
                       <a:r>
-                        <a:rPr lang="fr-FR" dirty="0" err="1" smtClean="0"/>
-                        <a:t>Javascript</a:t>
-                      </a:r>
-                      <a:endParaRPr lang="fr-FR" dirty="0" smtClean="0"/>
+                        <a:rPr lang="fr-FR" dirty="0"/>
+                        <a:t>HTML</a:t>
+                      </a:r>
                     </a:p>
                   </a:txBody>
                   <a:tcPr/>
@@ -4975,16 +5059,28 @@
                     <a:p>
                       <a:pPr algn="ctr"/>
                       <a:r>
-                        <a:rPr lang="fr-FR" dirty="0" smtClean="0"/>
-                        <a:t>Développement front-end dynamique</a:t>
-                      </a:r>
-                      <a:endParaRPr lang="fr-FR" dirty="0"/>
+                        <a:rPr lang="fr-FR" dirty="0"/>
+                        <a:t>Développement front-end (</a:t>
+                      </a:r>
+                      <a:r>
+                        <a:rPr lang="fr-FR" dirty="0" err="1"/>
+                        <a:t>Angular</a:t>
+                      </a:r>
+                      <a:r>
+                        <a:rPr lang="fr-FR" dirty="0"/>
+                        <a:t>)</a:t>
+                      </a:r>
                     </a:p>
                   </a:txBody>
                   <a:tcPr/>
                 </a:tc>
+                <a:extLst>
+                  <a:ext uri="{0D108BD9-81ED-4DB2-BD59-A6C34878D82A}">
+                    <a16:rowId xmlns:a16="http://schemas.microsoft.com/office/drawing/2014/main" val="10003"/>
+                  </a:ext>
+                </a:extLst>
               </a:tr>
-              <a:tr h="964226">
+              <a:tr h="701255">
                 <a:tc>
                   <a:txBody>
                     <a:bodyPr/>
@@ -4992,10 +5088,9 @@
                     <a:p>
                       <a:pPr algn="ctr"/>
                       <a:r>
-                        <a:rPr lang="fr-FR" dirty="0" smtClean="0"/>
-                        <a:t>HTML</a:t>
-                      </a:r>
-                      <a:endParaRPr lang="fr-FR" dirty="0"/>
+                        <a:rPr lang="fr-FR" dirty="0"/>
+                        <a:t>CSS</a:t>
+                      </a:r>
                     </a:p>
                   </a:txBody>
                   <a:tcPr/>
@@ -5007,24 +5102,28 @@
                     <a:p>
                       <a:pPr algn="ctr"/>
                       <a:r>
-                        <a:rPr lang="fr-FR" dirty="0" smtClean="0"/>
-                        <a:t>Développement front-end (</a:t>
-                      </a:r>
-                      <a:r>
-                        <a:rPr lang="fr-FR" dirty="0" err="1" smtClean="0"/>
+                        <a:rPr lang="fr-FR" dirty="0"/>
+                        <a:t>Style associé à HTML (</a:t>
+                      </a:r>
+                      <a:r>
+                        <a:rPr lang="fr-FR" dirty="0" err="1"/>
                         <a:t>Angular</a:t>
                       </a:r>
                       <a:r>
-                        <a:rPr lang="fr-FR" dirty="0" smtClean="0"/>
+                        <a:rPr lang="fr-FR" dirty="0"/>
                         <a:t>)</a:t>
                       </a:r>
-                      <a:endParaRPr lang="fr-FR" dirty="0"/>
                     </a:p>
                   </a:txBody>
                   <a:tcPr/>
                 </a:tc>
+                <a:extLst>
+                  <a:ext uri="{0D108BD9-81ED-4DB2-BD59-A6C34878D82A}">
+                    <a16:rowId xmlns:a16="http://schemas.microsoft.com/office/drawing/2014/main" val="10004"/>
+                  </a:ext>
+                </a:extLst>
               </a:tr>
-              <a:tr h="701255">
+              <a:tr h="882265">
                 <a:tc>
                   <a:txBody>
                     <a:bodyPr/>
@@ -5032,10 +5131,9 @@
                     <a:p>
                       <a:pPr algn="ctr"/>
                       <a:r>
-                        <a:rPr lang="fr-FR" dirty="0" smtClean="0"/>
-                        <a:t>CSS</a:t>
-                      </a:r>
-                      <a:endParaRPr lang="fr-FR" dirty="0"/>
+                        <a:rPr lang="fr-FR" dirty="0"/>
+                        <a:t>SQL</a:t>
+                      </a:r>
                     </a:p>
                   </a:txBody>
                   <a:tcPr/>
@@ -5047,54 +5145,18 @@
                     <a:p>
                       <a:pPr algn="ctr"/>
                       <a:r>
-                        <a:rPr lang="fr-FR" dirty="0" smtClean="0"/>
-                        <a:t>Style associé à HTML (</a:t>
-                      </a:r>
-                      <a:r>
-                        <a:rPr lang="fr-FR" dirty="0" err="1" smtClean="0"/>
-                        <a:t>Angular</a:t>
-                      </a:r>
-                      <a:r>
-                        <a:rPr lang="fr-FR" dirty="0" smtClean="0"/>
-                        <a:t>)</a:t>
-                      </a:r>
-                      <a:endParaRPr lang="fr-FR" dirty="0"/>
+                        <a:rPr lang="fr-FR" dirty="0"/>
+                        <a:t>Gestion base de données</a:t>
+                      </a:r>
                     </a:p>
                   </a:txBody>
                   <a:tcPr/>
                 </a:tc>
-              </a:tr>
-              <a:tr h="882265">
-                <a:tc>
-                  <a:txBody>
-                    <a:bodyPr/>
-                    <a:lstStyle/>
-                    <a:p>
-                      <a:pPr algn="ctr"/>
-                      <a:r>
-                        <a:rPr lang="fr-FR" dirty="0" smtClean="0"/>
-                        <a:t>SQL</a:t>
-                      </a:r>
-                      <a:endParaRPr lang="fr-FR" dirty="0"/>
-                    </a:p>
-                  </a:txBody>
-                  <a:tcPr/>
-                </a:tc>
-                <a:tc>
-                  <a:txBody>
-                    <a:bodyPr/>
-                    <a:lstStyle/>
-                    <a:p>
-                      <a:pPr algn="ctr"/>
-                      <a:r>
-                        <a:rPr lang="fr-FR" dirty="0" smtClean="0"/>
-                        <a:t>Gestion base de données</a:t>
-                      </a:r>
-                      <a:endParaRPr lang="fr-FR" dirty="0"/>
-                    </a:p>
-                  </a:txBody>
-                  <a:tcPr/>
-                </a:tc>
+                <a:extLst>
+                  <a:ext uri="{0D108BD9-81ED-4DB2-BD59-A6C34878D82A}">
+                    <a16:rowId xmlns:a16="http://schemas.microsoft.com/office/drawing/2014/main" val="10005"/>
+                  </a:ext>
+                </a:extLst>
               </a:tr>
             </a:tbl>
           </a:graphicData>
